--- a/static/slides/l2ppt.pptx
+++ b/static/slides/l2ppt.pptx
@@ -11,6 +11,7 @@
     <p:sldId id="262" r:id="rId5"/>
     <p:sldId id="263" r:id="rId6"/>
     <p:sldId id="264" r:id="rId7"/>
+    <p:sldId id="265" r:id="rId8"/>
   </p:sldIdLst>
   <p:sldSz cx="12192000" cy="6858000"/>
   <p:notesSz cx="6858000" cy="9144000"/>
@@ -13732,6 +13733,1523 @@
 </p:sld>
 </file>
 
+<file path=ppt/slides/slide7.xml><?xml version="1.0" encoding="utf-8"?>
+<p:sld xmlns:a="http://schemas.openxmlformats.org/drawingml/2006/main" xmlns:r="http://schemas.openxmlformats.org/officeDocument/2006/relationships" xmlns:p="http://schemas.openxmlformats.org/presentationml/2006/main">
+  <p:cSld>
+    <p:spTree>
+      <p:nvGrpSpPr>
+        <p:cNvPr id="1" name=""/>
+        <p:cNvGrpSpPr/>
+        <p:nvPr/>
+      </p:nvGrpSpPr>
+      <p:grpSpPr>
+        <a:xfrm>
+          <a:off x="0" y="0"/>
+          <a:ext cx="0" cy="0"/>
+          <a:chOff x="0" y="0"/>
+          <a:chExt cx="0" cy="0"/>
+        </a:xfrm>
+      </p:grpSpPr>
+      <p:graphicFrame>
+        <p:nvGraphicFramePr>
+          <p:cNvPr id="4" name="Table 3">
+            <a:extLst>
+              <a:ext uri="{FF2B5EF4-FFF2-40B4-BE49-F238E27FC236}">
+                <a16:creationId xmlns:a16="http://schemas.microsoft.com/office/drawing/2014/main" id="{18DB0A63-370E-984C-9841-298310C6E561}"/>
+              </a:ext>
+            </a:extLst>
+          </p:cNvPr>
+          <p:cNvGraphicFramePr>
+            <a:graphicFrameLocks noGrp="1"/>
+          </p:cNvGraphicFramePr>
+          <p:nvPr>
+            <p:extLst>
+              <p:ext uri="{D42A27DB-BD31-4B8C-83A1-F6EECF244321}">
+                <p14:modId xmlns:p14="http://schemas.microsoft.com/office/powerpoint/2010/main" val="3214642630"/>
+              </p:ext>
+            </p:extLst>
+          </p:nvPr>
+        </p:nvGraphicFramePr>
+        <p:xfrm>
+          <a:off x="2642992" y="719665"/>
+          <a:ext cx="7517008" cy="5230200"/>
+        </p:xfrm>
+        <a:graphic>
+          <a:graphicData uri="http://schemas.openxmlformats.org/drawingml/2006/table">
+            <a:tbl>
+              <a:tblPr firstRow="1" bandRow="1">
+                <a:tableStyleId>{5C22544A-7EE6-4342-B048-85BDC9FD1C3A}</a:tableStyleId>
+              </a:tblPr>
+              <a:tblGrid>
+                <a:gridCol w="1879252">
+                  <a:extLst>
+                    <a:ext uri="{9D8B030D-6E8A-4147-A177-3AD203B41FA5}">
+                      <a16:colId xmlns:a16="http://schemas.microsoft.com/office/drawing/2014/main" val="2430491926"/>
+                    </a:ext>
+                  </a:extLst>
+                </a:gridCol>
+                <a:gridCol w="1879252">
+                  <a:extLst>
+                    <a:ext uri="{9D8B030D-6E8A-4147-A177-3AD203B41FA5}">
+                      <a16:colId xmlns:a16="http://schemas.microsoft.com/office/drawing/2014/main" val="1667022235"/>
+                    </a:ext>
+                  </a:extLst>
+                </a:gridCol>
+                <a:gridCol w="1879252">
+                  <a:extLst>
+                    <a:ext uri="{9D8B030D-6E8A-4147-A177-3AD203B41FA5}">
+                      <a16:colId xmlns:a16="http://schemas.microsoft.com/office/drawing/2014/main" val="294040677"/>
+                    </a:ext>
+                  </a:extLst>
+                </a:gridCol>
+                <a:gridCol w="1879252">
+                  <a:extLst>
+                    <a:ext uri="{9D8B030D-6E8A-4147-A177-3AD203B41FA5}">
+                      <a16:colId xmlns:a16="http://schemas.microsoft.com/office/drawing/2014/main" val="3903665251"/>
+                    </a:ext>
+                  </a:extLst>
+                </a:gridCol>
+              </a:tblGrid>
+              <a:tr h="871700">
+                <a:tc rowSpan="2">
+                  <a:txBody>
+                    <a:bodyPr/>
+                    <a:lstStyle/>
+                    <a:p>
+                      <a:pPr algn="ctr"/>
+                      <a:r>
+                        <a:rPr lang="en-US" dirty="0">
+                          <a:solidFill>
+                            <a:schemeClr val="tx1"/>
+                          </a:solidFill>
+                        </a:rPr>
+                        <a:t>Package Design</a:t>
+                      </a:r>
+                    </a:p>
+                  </a:txBody>
+                  <a:tcPr>
+                    <a:lnL w="12700" cap="flat" cmpd="sng" algn="ctr">
+                      <a:solidFill>
+                        <a:schemeClr val="tx1"/>
+                      </a:solidFill>
+                      <a:prstDash val="solid"/>
+                      <a:round/>
+                      <a:headEnd type="none" w="med" len="med"/>
+                      <a:tailEnd type="none" w="med" len="med"/>
+                    </a:lnL>
+                    <a:lnR w="12700" cap="flat" cmpd="sng" algn="ctr">
+                      <a:solidFill>
+                        <a:schemeClr val="tx1"/>
+                      </a:solidFill>
+                      <a:prstDash val="solid"/>
+                      <a:round/>
+                      <a:headEnd type="none" w="med" len="med"/>
+                      <a:tailEnd type="none" w="med" len="med"/>
+                    </a:lnR>
+                    <a:lnT w="12700" cap="flat" cmpd="sng" algn="ctr">
+                      <a:solidFill>
+                        <a:schemeClr val="tx1"/>
+                      </a:solidFill>
+                      <a:prstDash val="solid"/>
+                      <a:round/>
+                      <a:headEnd type="none" w="med" len="med"/>
+                      <a:tailEnd type="none" w="med" len="med"/>
+                    </a:lnT>
+                    <a:lnB w="12700" cap="flat" cmpd="sng" algn="ctr">
+                      <a:solidFill>
+                        <a:schemeClr val="tx1"/>
+                      </a:solidFill>
+                      <a:prstDash val="solid"/>
+                      <a:round/>
+                      <a:headEnd type="none" w="med" len="med"/>
+                      <a:tailEnd type="none" w="med" len="med"/>
+                    </a:lnB>
+                    <a:solidFill>
+                      <a:schemeClr val="bg1"/>
+                    </a:solidFill>
+                  </a:tcPr>
+                </a:tc>
+                <a:tc gridSpan="3">
+                  <a:txBody>
+                    <a:bodyPr/>
+                    <a:lstStyle/>
+                    <a:p>
+                      <a:pPr algn="ctr"/>
+                      <a:r>
+                        <a:rPr lang="en-US" dirty="0">
+                          <a:solidFill>
+                            <a:schemeClr val="tx1"/>
+                          </a:solidFill>
+                        </a:rPr>
+                        <a:t>Store</a:t>
+                      </a:r>
+                    </a:p>
+                  </a:txBody>
+                  <a:tcPr>
+                    <a:lnL w="12700" cap="flat" cmpd="sng" algn="ctr">
+                      <a:solidFill>
+                        <a:schemeClr val="tx1"/>
+                      </a:solidFill>
+                      <a:prstDash val="solid"/>
+                      <a:round/>
+                      <a:headEnd type="none" w="med" len="med"/>
+                      <a:tailEnd type="none" w="med" len="med"/>
+                    </a:lnL>
+                    <a:lnR w="12700" cap="flat" cmpd="sng" algn="ctr">
+                      <a:solidFill>
+                        <a:schemeClr val="tx1"/>
+                      </a:solidFill>
+                      <a:prstDash val="solid"/>
+                      <a:round/>
+                      <a:headEnd type="none" w="med" len="med"/>
+                      <a:tailEnd type="none" w="med" len="med"/>
+                    </a:lnR>
+                    <a:lnT w="12700" cap="flat" cmpd="sng" algn="ctr">
+                      <a:solidFill>
+                        <a:schemeClr val="tx1"/>
+                      </a:solidFill>
+                      <a:prstDash val="solid"/>
+                      <a:round/>
+                      <a:headEnd type="none" w="med" len="med"/>
+                      <a:tailEnd type="none" w="med" len="med"/>
+                    </a:lnT>
+                    <a:lnB w="12700" cap="flat" cmpd="sng" algn="ctr">
+                      <a:solidFill>
+                        <a:schemeClr val="tx1"/>
+                      </a:solidFill>
+                      <a:prstDash val="solid"/>
+                      <a:round/>
+                      <a:headEnd type="none" w="med" len="med"/>
+                      <a:tailEnd type="none" w="med" len="med"/>
+                    </a:lnB>
+                    <a:solidFill>
+                      <a:schemeClr val="bg1"/>
+                    </a:solidFill>
+                  </a:tcPr>
+                </a:tc>
+                <a:tc hMerge="1">
+                  <a:txBody>
+                    <a:bodyPr/>
+                    <a:lstStyle/>
+                    <a:p>
+                      <a:endParaRPr lang="en-US" dirty="0"/>
+                    </a:p>
+                  </a:txBody>
+                  <a:tcPr>
+                    <a:lnL w="12700" cap="flat" cmpd="sng" algn="ctr">
+                      <a:solidFill>
+                        <a:schemeClr val="tx1"/>
+                      </a:solidFill>
+                      <a:prstDash val="solid"/>
+                      <a:round/>
+                      <a:headEnd type="none" w="med" len="med"/>
+                      <a:tailEnd type="none" w="med" len="med"/>
+                    </a:lnL>
+                    <a:lnR w="12700" cap="flat" cmpd="sng" algn="ctr">
+                      <a:solidFill>
+                        <a:schemeClr val="tx1"/>
+                      </a:solidFill>
+                      <a:prstDash val="solid"/>
+                      <a:round/>
+                      <a:headEnd type="none" w="med" len="med"/>
+                      <a:tailEnd type="none" w="med" len="med"/>
+                    </a:lnR>
+                    <a:lnT w="12700" cap="flat" cmpd="sng" algn="ctr">
+                      <a:solidFill>
+                        <a:schemeClr val="tx1"/>
+                      </a:solidFill>
+                      <a:prstDash val="solid"/>
+                      <a:round/>
+                      <a:headEnd type="none" w="med" len="med"/>
+                      <a:tailEnd type="none" w="med" len="med"/>
+                    </a:lnT>
+                    <a:lnB w="12700" cap="flat" cmpd="sng" algn="ctr">
+                      <a:solidFill>
+                        <a:schemeClr val="tx1"/>
+                      </a:solidFill>
+                      <a:prstDash val="solid"/>
+                      <a:round/>
+                      <a:headEnd type="none" w="med" len="med"/>
+                      <a:tailEnd type="none" w="med" len="med"/>
+                    </a:lnB>
+                    <a:solidFill>
+                      <a:schemeClr val="bg1"/>
+                    </a:solidFill>
+                  </a:tcPr>
+                </a:tc>
+                <a:tc hMerge="1">
+                  <a:txBody>
+                    <a:bodyPr/>
+                    <a:lstStyle/>
+                    <a:p>
+                      <a:endParaRPr lang="en-US" dirty="0"/>
+                    </a:p>
+                  </a:txBody>
+                  <a:tcPr>
+                    <a:lnL w="12700" cap="flat" cmpd="sng" algn="ctr">
+                      <a:solidFill>
+                        <a:schemeClr val="tx1"/>
+                      </a:solidFill>
+                      <a:prstDash val="solid"/>
+                      <a:round/>
+                      <a:headEnd type="none" w="med" len="med"/>
+                      <a:tailEnd type="none" w="med" len="med"/>
+                    </a:lnL>
+                    <a:lnR w="12700" cap="flat" cmpd="sng" algn="ctr">
+                      <a:solidFill>
+                        <a:schemeClr val="tx1"/>
+                      </a:solidFill>
+                      <a:prstDash val="solid"/>
+                      <a:round/>
+                      <a:headEnd type="none" w="med" len="med"/>
+                      <a:tailEnd type="none" w="med" len="med"/>
+                    </a:lnR>
+                    <a:lnT w="12700" cap="flat" cmpd="sng" algn="ctr">
+                      <a:solidFill>
+                        <a:schemeClr val="tx1"/>
+                      </a:solidFill>
+                      <a:prstDash val="solid"/>
+                      <a:round/>
+                      <a:headEnd type="none" w="med" len="med"/>
+                      <a:tailEnd type="none" w="med" len="med"/>
+                    </a:lnT>
+                    <a:lnB w="12700" cap="flat" cmpd="sng" algn="ctr">
+                      <a:solidFill>
+                        <a:schemeClr val="tx1"/>
+                      </a:solidFill>
+                      <a:prstDash val="solid"/>
+                      <a:round/>
+                      <a:headEnd type="none" w="med" len="med"/>
+                      <a:tailEnd type="none" w="med" len="med"/>
+                    </a:lnB>
+                    <a:solidFill>
+                      <a:schemeClr val="bg1"/>
+                    </a:solidFill>
+                  </a:tcPr>
+                </a:tc>
+                <a:extLst>
+                  <a:ext uri="{0D108BD9-81ED-4DB2-BD59-A6C34878D82A}">
+                    <a16:rowId xmlns:a16="http://schemas.microsoft.com/office/drawing/2014/main" val="1012653312"/>
+                  </a:ext>
+                </a:extLst>
+              </a:tr>
+              <a:tr h="871700">
+                <a:tc vMerge="1">
+                  <a:txBody>
+                    <a:bodyPr/>
+                    <a:lstStyle/>
+                    <a:p>
+                      <a:pPr algn="ctr"/>
+                      <a:endParaRPr lang="en-US" dirty="0">
+                        <a:solidFill>
+                          <a:schemeClr val="tx1"/>
+                        </a:solidFill>
+                      </a:endParaRPr>
+                    </a:p>
+                  </a:txBody>
+                  <a:tcPr>
+                    <a:lnL w="12700" cap="flat" cmpd="sng" algn="ctr">
+                      <a:solidFill>
+                        <a:schemeClr val="tx1"/>
+                      </a:solidFill>
+                      <a:prstDash val="solid"/>
+                      <a:round/>
+                      <a:headEnd type="none" w="med" len="med"/>
+                      <a:tailEnd type="none" w="med" len="med"/>
+                    </a:lnL>
+                    <a:lnR w="12700" cap="flat" cmpd="sng" algn="ctr">
+                      <a:solidFill>
+                        <a:schemeClr val="tx1"/>
+                      </a:solidFill>
+                      <a:prstDash val="solid"/>
+                      <a:round/>
+                      <a:headEnd type="none" w="med" len="med"/>
+                      <a:tailEnd type="none" w="med" len="med"/>
+                    </a:lnR>
+                    <a:lnT w="12700" cap="flat" cmpd="sng" algn="ctr">
+                      <a:solidFill>
+                        <a:schemeClr val="tx1"/>
+                      </a:solidFill>
+                      <a:prstDash val="solid"/>
+                      <a:round/>
+                      <a:headEnd type="none" w="med" len="med"/>
+                      <a:tailEnd type="none" w="med" len="med"/>
+                    </a:lnT>
+                    <a:lnB w="12700" cap="flat" cmpd="sng" algn="ctr">
+                      <a:solidFill>
+                        <a:schemeClr val="tx1"/>
+                      </a:solidFill>
+                      <a:prstDash val="solid"/>
+                      <a:round/>
+                      <a:headEnd type="none" w="med" len="med"/>
+                      <a:tailEnd type="none" w="med" len="med"/>
+                    </a:lnB>
+                    <a:solidFill>
+                      <a:schemeClr val="bg1"/>
+                    </a:solidFill>
+                  </a:tcPr>
+                </a:tc>
+                <a:tc>
+                  <a:txBody>
+                    <a:bodyPr/>
+                    <a:lstStyle/>
+                    <a:p>
+                      <a:pPr algn="ctr"/>
+                      <a:r>
+                        <a:rPr lang="en-US" dirty="0">
+                          <a:solidFill>
+                            <a:schemeClr val="tx1"/>
+                          </a:solidFill>
+                        </a:rPr>
+                        <a:t>1</a:t>
+                      </a:r>
+                    </a:p>
+                  </a:txBody>
+                  <a:tcPr>
+                    <a:lnL w="12700" cap="flat" cmpd="sng" algn="ctr">
+                      <a:solidFill>
+                        <a:schemeClr val="tx1"/>
+                      </a:solidFill>
+                      <a:prstDash val="solid"/>
+                      <a:round/>
+                      <a:headEnd type="none" w="med" len="med"/>
+                      <a:tailEnd type="none" w="med" len="med"/>
+                    </a:lnL>
+                    <a:lnR w="12700" cap="flat" cmpd="sng" algn="ctr">
+                      <a:solidFill>
+                        <a:schemeClr val="tx1"/>
+                      </a:solidFill>
+                      <a:prstDash val="solid"/>
+                      <a:round/>
+                      <a:headEnd type="none" w="med" len="med"/>
+                      <a:tailEnd type="none" w="med" len="med"/>
+                    </a:lnR>
+                    <a:lnT w="12700" cap="flat" cmpd="sng" algn="ctr">
+                      <a:solidFill>
+                        <a:schemeClr val="tx1"/>
+                      </a:solidFill>
+                      <a:prstDash val="solid"/>
+                      <a:round/>
+                      <a:headEnd type="none" w="med" len="med"/>
+                      <a:tailEnd type="none" w="med" len="med"/>
+                    </a:lnT>
+                    <a:lnB w="12700" cap="flat" cmpd="sng" algn="ctr">
+                      <a:solidFill>
+                        <a:schemeClr val="tx1"/>
+                      </a:solidFill>
+                      <a:prstDash val="solid"/>
+                      <a:round/>
+                      <a:headEnd type="none" w="med" len="med"/>
+                      <a:tailEnd type="none" w="med" len="med"/>
+                    </a:lnB>
+                    <a:solidFill>
+                      <a:schemeClr val="accent4">
+                        <a:lumMod val="40000"/>
+                        <a:lumOff val="60000"/>
+                      </a:schemeClr>
+                    </a:solidFill>
+                  </a:tcPr>
+                </a:tc>
+                <a:tc>
+                  <a:txBody>
+                    <a:bodyPr/>
+                    <a:lstStyle/>
+                    <a:p>
+                      <a:pPr algn="ctr"/>
+                      <a:r>
+                        <a:rPr lang="en-US" dirty="0">
+                          <a:solidFill>
+                            <a:schemeClr val="tx1"/>
+                          </a:solidFill>
+                        </a:rPr>
+                        <a:t>2</a:t>
+                      </a:r>
+                    </a:p>
+                  </a:txBody>
+                  <a:tcPr>
+                    <a:lnL w="12700" cap="flat" cmpd="sng" algn="ctr">
+                      <a:solidFill>
+                        <a:schemeClr val="tx1"/>
+                      </a:solidFill>
+                      <a:prstDash val="solid"/>
+                      <a:round/>
+                      <a:headEnd type="none" w="med" len="med"/>
+                      <a:tailEnd type="none" w="med" len="med"/>
+                    </a:lnL>
+                    <a:lnR w="12700" cap="flat" cmpd="sng" algn="ctr">
+                      <a:solidFill>
+                        <a:schemeClr val="tx1"/>
+                      </a:solidFill>
+                      <a:prstDash val="solid"/>
+                      <a:round/>
+                      <a:headEnd type="none" w="med" len="med"/>
+                      <a:tailEnd type="none" w="med" len="med"/>
+                    </a:lnR>
+                    <a:lnT w="12700" cap="flat" cmpd="sng" algn="ctr">
+                      <a:solidFill>
+                        <a:schemeClr val="tx1"/>
+                      </a:solidFill>
+                      <a:prstDash val="solid"/>
+                      <a:round/>
+                      <a:headEnd type="none" w="med" len="med"/>
+                      <a:tailEnd type="none" w="med" len="med"/>
+                    </a:lnT>
+                    <a:lnB w="12700" cap="flat" cmpd="sng" algn="ctr">
+                      <a:solidFill>
+                        <a:schemeClr val="tx1"/>
+                      </a:solidFill>
+                      <a:prstDash val="solid"/>
+                      <a:round/>
+                      <a:headEnd type="none" w="med" len="med"/>
+                      <a:tailEnd type="none" w="med" len="med"/>
+                    </a:lnB>
+                    <a:solidFill>
+                      <a:schemeClr val="accent4">
+                        <a:lumMod val="40000"/>
+                        <a:lumOff val="60000"/>
+                      </a:schemeClr>
+                    </a:solidFill>
+                  </a:tcPr>
+                </a:tc>
+                <a:tc>
+                  <a:txBody>
+                    <a:bodyPr/>
+                    <a:lstStyle/>
+                    <a:p>
+                      <a:pPr algn="ctr"/>
+                      <a:r>
+                        <a:rPr lang="en-US" dirty="0">
+                          <a:solidFill>
+                            <a:schemeClr val="tx1"/>
+                          </a:solidFill>
+                        </a:rPr>
+                        <a:t>3</a:t>
+                      </a:r>
+                    </a:p>
+                  </a:txBody>
+                  <a:tcPr>
+                    <a:lnL w="12700" cap="flat" cmpd="sng" algn="ctr">
+                      <a:solidFill>
+                        <a:schemeClr val="tx1"/>
+                      </a:solidFill>
+                      <a:prstDash val="solid"/>
+                      <a:round/>
+                      <a:headEnd type="none" w="med" len="med"/>
+                      <a:tailEnd type="none" w="med" len="med"/>
+                    </a:lnL>
+                    <a:lnR w="12700" cap="flat" cmpd="sng" algn="ctr">
+                      <a:solidFill>
+                        <a:schemeClr val="tx1"/>
+                      </a:solidFill>
+                      <a:prstDash val="solid"/>
+                      <a:round/>
+                      <a:headEnd type="none" w="med" len="med"/>
+                      <a:tailEnd type="none" w="med" len="med"/>
+                    </a:lnR>
+                    <a:lnT w="12700" cap="flat" cmpd="sng" algn="ctr">
+                      <a:solidFill>
+                        <a:schemeClr val="tx1"/>
+                      </a:solidFill>
+                      <a:prstDash val="solid"/>
+                      <a:round/>
+                      <a:headEnd type="none" w="med" len="med"/>
+                      <a:tailEnd type="none" w="med" len="med"/>
+                    </a:lnT>
+                    <a:lnB w="12700" cap="flat" cmpd="sng" algn="ctr">
+                      <a:solidFill>
+                        <a:schemeClr val="tx1"/>
+                      </a:solidFill>
+                      <a:prstDash val="solid"/>
+                      <a:round/>
+                      <a:headEnd type="none" w="med" len="med"/>
+                      <a:tailEnd type="none" w="med" len="med"/>
+                    </a:lnB>
+                    <a:solidFill>
+                      <a:schemeClr val="accent4">
+                        <a:lumMod val="40000"/>
+                        <a:lumOff val="60000"/>
+                      </a:schemeClr>
+                    </a:solidFill>
+                  </a:tcPr>
+                </a:tc>
+                <a:extLst>
+                  <a:ext uri="{0D108BD9-81ED-4DB2-BD59-A6C34878D82A}">
+                    <a16:rowId xmlns:a16="http://schemas.microsoft.com/office/drawing/2014/main" val="2942874920"/>
+                  </a:ext>
+                </a:extLst>
+              </a:tr>
+              <a:tr h="871700">
+                <a:tc>
+                  <a:txBody>
+                    <a:bodyPr/>
+                    <a:lstStyle/>
+                    <a:p>
+                      <a:pPr algn="ctr"/>
+                      <a:r>
+                        <a:rPr lang="en-US" dirty="0">
+                          <a:solidFill>
+                            <a:schemeClr val="tx1"/>
+                          </a:solidFill>
+                        </a:rPr>
+                        <a:t>1</a:t>
+                      </a:r>
+                    </a:p>
+                  </a:txBody>
+                  <a:tcPr>
+                    <a:lnL w="12700" cap="flat" cmpd="sng" algn="ctr">
+                      <a:solidFill>
+                        <a:schemeClr val="tx1"/>
+                      </a:solidFill>
+                      <a:prstDash val="solid"/>
+                      <a:round/>
+                      <a:headEnd type="none" w="med" len="med"/>
+                      <a:tailEnd type="none" w="med" len="med"/>
+                    </a:lnL>
+                    <a:lnR w="12700" cap="flat" cmpd="sng" algn="ctr">
+                      <a:solidFill>
+                        <a:schemeClr val="tx1"/>
+                      </a:solidFill>
+                      <a:prstDash val="solid"/>
+                      <a:round/>
+                      <a:headEnd type="none" w="med" len="med"/>
+                      <a:tailEnd type="none" w="med" len="med"/>
+                    </a:lnR>
+                    <a:lnT w="12700" cap="flat" cmpd="sng" algn="ctr">
+                      <a:solidFill>
+                        <a:schemeClr val="tx1"/>
+                      </a:solidFill>
+                      <a:prstDash val="solid"/>
+                      <a:round/>
+                      <a:headEnd type="none" w="med" len="med"/>
+                      <a:tailEnd type="none" w="med" len="med"/>
+                    </a:lnT>
+                    <a:lnB w="12700" cap="flat" cmpd="sng" algn="ctr">
+                      <a:solidFill>
+                        <a:schemeClr val="tx1"/>
+                      </a:solidFill>
+                      <a:prstDash val="solid"/>
+                      <a:round/>
+                      <a:headEnd type="none" w="med" len="med"/>
+                      <a:tailEnd type="none" w="med" len="med"/>
+                    </a:lnB>
+                    <a:solidFill>
+                      <a:schemeClr val="accent2">
+                        <a:lumMod val="75000"/>
+                      </a:schemeClr>
+                    </a:solidFill>
+                  </a:tcPr>
+                </a:tc>
+                <a:tc>
+                  <a:txBody>
+                    <a:bodyPr/>
+                    <a:lstStyle/>
+                    <a:p>
+                      <a:pPr algn="ctr"/>
+                      <a:r>
+                        <a:rPr lang="en-US" dirty="0">
+                          <a:solidFill>
+                            <a:schemeClr val="tx1"/>
+                          </a:solidFill>
+                        </a:rPr>
+                        <a:t>12</a:t>
+                      </a:r>
+                    </a:p>
+                  </a:txBody>
+                  <a:tcPr>
+                    <a:lnL w="12700" cap="flat" cmpd="sng" algn="ctr">
+                      <a:solidFill>
+                        <a:schemeClr val="tx1"/>
+                      </a:solidFill>
+                      <a:prstDash val="solid"/>
+                      <a:round/>
+                      <a:headEnd type="none" w="med" len="med"/>
+                      <a:tailEnd type="none" w="med" len="med"/>
+                    </a:lnL>
+                    <a:lnR w="12700" cap="flat" cmpd="sng" algn="ctr">
+                      <a:solidFill>
+                        <a:schemeClr val="tx1"/>
+                      </a:solidFill>
+                      <a:prstDash val="solid"/>
+                      <a:round/>
+                      <a:headEnd type="none" w="med" len="med"/>
+                      <a:tailEnd type="none" w="med" len="med"/>
+                    </a:lnR>
+                    <a:lnT w="12700" cap="flat" cmpd="sng" algn="ctr">
+                      <a:solidFill>
+                        <a:schemeClr val="tx1"/>
+                      </a:solidFill>
+                      <a:prstDash val="solid"/>
+                      <a:round/>
+                      <a:headEnd type="none" w="med" len="med"/>
+                      <a:tailEnd type="none" w="med" len="med"/>
+                    </a:lnT>
+                    <a:lnB w="12700" cap="flat" cmpd="sng" algn="ctr">
+                      <a:solidFill>
+                        <a:schemeClr val="tx1"/>
+                      </a:solidFill>
+                      <a:prstDash val="solid"/>
+                      <a:round/>
+                      <a:headEnd type="none" w="med" len="med"/>
+                      <a:tailEnd type="none" w="med" len="med"/>
+                    </a:lnB>
+                    <a:solidFill>
+                      <a:schemeClr val="bg1"/>
+                    </a:solidFill>
+                  </a:tcPr>
+                </a:tc>
+                <a:tc>
+                  <a:txBody>
+                    <a:bodyPr/>
+                    <a:lstStyle/>
+                    <a:p>
+                      <a:pPr algn="ctr"/>
+                      <a:r>
+                        <a:rPr lang="en-US" dirty="0">
+                          <a:solidFill>
+                            <a:schemeClr val="tx1"/>
+                          </a:solidFill>
+                        </a:rPr>
+                        <a:t>18</a:t>
+                      </a:r>
+                    </a:p>
+                  </a:txBody>
+                  <a:tcPr>
+                    <a:lnL w="12700" cap="flat" cmpd="sng" algn="ctr">
+                      <a:solidFill>
+                        <a:schemeClr val="tx1"/>
+                      </a:solidFill>
+                      <a:prstDash val="solid"/>
+                      <a:round/>
+                      <a:headEnd type="none" w="med" len="med"/>
+                      <a:tailEnd type="none" w="med" len="med"/>
+                    </a:lnL>
+                    <a:lnR w="12700" cap="flat" cmpd="sng" algn="ctr">
+                      <a:solidFill>
+                        <a:schemeClr val="tx1"/>
+                      </a:solidFill>
+                      <a:prstDash val="solid"/>
+                      <a:round/>
+                      <a:headEnd type="none" w="med" len="med"/>
+                      <a:tailEnd type="none" w="med" len="med"/>
+                    </a:lnR>
+                    <a:lnT w="12700" cap="flat" cmpd="sng" algn="ctr">
+                      <a:solidFill>
+                        <a:schemeClr val="tx1"/>
+                      </a:solidFill>
+                      <a:prstDash val="solid"/>
+                      <a:round/>
+                      <a:headEnd type="none" w="med" len="med"/>
+                      <a:tailEnd type="none" w="med" len="med"/>
+                    </a:lnT>
+                    <a:lnB w="12700" cap="flat" cmpd="sng" algn="ctr">
+                      <a:solidFill>
+                        <a:schemeClr val="tx1"/>
+                      </a:solidFill>
+                      <a:prstDash val="solid"/>
+                      <a:round/>
+                      <a:headEnd type="none" w="med" len="med"/>
+                      <a:tailEnd type="none" w="med" len="med"/>
+                    </a:lnB>
+                    <a:solidFill>
+                      <a:schemeClr val="bg1"/>
+                    </a:solidFill>
+                  </a:tcPr>
+                </a:tc>
+                <a:tc>
+                  <a:txBody>
+                    <a:bodyPr/>
+                    <a:lstStyle/>
+                    <a:p>
+                      <a:pPr algn="ctr"/>
+                      <a:r>
+                        <a:rPr lang="en-US" dirty="0">
+                          <a:solidFill>
+                            <a:schemeClr val="tx1"/>
+                          </a:solidFill>
+                        </a:rPr>
+                        <a:t>-</a:t>
+                      </a:r>
+                    </a:p>
+                  </a:txBody>
+                  <a:tcPr>
+                    <a:lnL w="12700" cap="flat" cmpd="sng" algn="ctr">
+                      <a:solidFill>
+                        <a:schemeClr val="tx1"/>
+                      </a:solidFill>
+                      <a:prstDash val="solid"/>
+                      <a:round/>
+                      <a:headEnd type="none" w="med" len="med"/>
+                      <a:tailEnd type="none" w="med" len="med"/>
+                    </a:lnL>
+                    <a:lnR w="12700" cap="flat" cmpd="sng" algn="ctr">
+                      <a:solidFill>
+                        <a:schemeClr val="tx1"/>
+                      </a:solidFill>
+                      <a:prstDash val="solid"/>
+                      <a:round/>
+                      <a:headEnd type="none" w="med" len="med"/>
+                      <a:tailEnd type="none" w="med" len="med"/>
+                    </a:lnR>
+                    <a:lnT w="12700" cap="flat" cmpd="sng" algn="ctr">
+                      <a:solidFill>
+                        <a:schemeClr val="tx1"/>
+                      </a:solidFill>
+                      <a:prstDash val="solid"/>
+                      <a:round/>
+                      <a:headEnd type="none" w="med" len="med"/>
+                      <a:tailEnd type="none" w="med" len="med"/>
+                    </a:lnT>
+                    <a:lnB w="12700" cap="flat" cmpd="sng" algn="ctr">
+                      <a:solidFill>
+                        <a:schemeClr val="tx1"/>
+                      </a:solidFill>
+                      <a:prstDash val="solid"/>
+                      <a:round/>
+                      <a:headEnd type="none" w="med" len="med"/>
+                      <a:tailEnd type="none" w="med" len="med"/>
+                    </a:lnB>
+                    <a:solidFill>
+                      <a:schemeClr val="bg1"/>
+                    </a:solidFill>
+                  </a:tcPr>
+                </a:tc>
+                <a:extLst>
+                  <a:ext uri="{0D108BD9-81ED-4DB2-BD59-A6C34878D82A}">
+                    <a16:rowId xmlns:a16="http://schemas.microsoft.com/office/drawing/2014/main" val="2974030726"/>
+                  </a:ext>
+                </a:extLst>
+              </a:tr>
+              <a:tr h="871700">
+                <a:tc>
+                  <a:txBody>
+                    <a:bodyPr/>
+                    <a:lstStyle/>
+                    <a:p>
+                      <a:pPr algn="ctr"/>
+                      <a:r>
+                        <a:rPr lang="en-US" dirty="0">
+                          <a:solidFill>
+                            <a:schemeClr val="tx1"/>
+                          </a:solidFill>
+                        </a:rPr>
+                        <a:t>2</a:t>
+                      </a:r>
+                    </a:p>
+                  </a:txBody>
+                  <a:tcPr>
+                    <a:lnL w="12700" cap="flat" cmpd="sng" algn="ctr">
+                      <a:solidFill>
+                        <a:schemeClr val="tx1"/>
+                      </a:solidFill>
+                      <a:prstDash val="solid"/>
+                      <a:round/>
+                      <a:headEnd type="none" w="med" len="med"/>
+                      <a:tailEnd type="none" w="med" len="med"/>
+                    </a:lnL>
+                    <a:lnR w="12700" cap="flat" cmpd="sng" algn="ctr">
+                      <a:solidFill>
+                        <a:schemeClr val="tx1"/>
+                      </a:solidFill>
+                      <a:prstDash val="solid"/>
+                      <a:round/>
+                      <a:headEnd type="none" w="med" len="med"/>
+                      <a:tailEnd type="none" w="med" len="med"/>
+                    </a:lnR>
+                    <a:lnT w="12700" cap="flat" cmpd="sng" algn="ctr">
+                      <a:solidFill>
+                        <a:schemeClr val="tx1"/>
+                      </a:solidFill>
+                      <a:prstDash val="solid"/>
+                      <a:round/>
+                      <a:headEnd type="none" w="med" len="med"/>
+                      <a:tailEnd type="none" w="med" len="med"/>
+                    </a:lnT>
+                    <a:lnB w="12700" cap="flat" cmpd="sng" algn="ctr">
+                      <a:solidFill>
+                        <a:schemeClr val="tx1"/>
+                      </a:solidFill>
+                      <a:prstDash val="solid"/>
+                      <a:round/>
+                      <a:headEnd type="none" w="med" len="med"/>
+                      <a:tailEnd type="none" w="med" len="med"/>
+                    </a:lnB>
+                    <a:solidFill>
+                      <a:srgbClr val="7030A0"/>
+                    </a:solidFill>
+                  </a:tcPr>
+                </a:tc>
+                <a:tc>
+                  <a:txBody>
+                    <a:bodyPr/>
+                    <a:lstStyle/>
+                    <a:p>
+                      <a:pPr algn="ctr"/>
+                      <a:r>
+                        <a:rPr lang="en-US" dirty="0">
+                          <a:solidFill>
+                            <a:schemeClr val="tx1"/>
+                          </a:solidFill>
+                        </a:rPr>
+                        <a:t>14</a:t>
+                      </a:r>
+                    </a:p>
+                  </a:txBody>
+                  <a:tcPr>
+                    <a:lnL w="12700" cap="flat" cmpd="sng" algn="ctr">
+                      <a:solidFill>
+                        <a:schemeClr val="tx1"/>
+                      </a:solidFill>
+                      <a:prstDash val="solid"/>
+                      <a:round/>
+                      <a:headEnd type="none" w="med" len="med"/>
+                      <a:tailEnd type="none" w="med" len="med"/>
+                    </a:lnL>
+                    <a:lnR w="12700" cap="flat" cmpd="sng" algn="ctr">
+                      <a:solidFill>
+                        <a:schemeClr val="tx1"/>
+                      </a:solidFill>
+                      <a:prstDash val="solid"/>
+                      <a:round/>
+                      <a:headEnd type="none" w="med" len="med"/>
+                      <a:tailEnd type="none" w="med" len="med"/>
+                    </a:lnR>
+                    <a:lnT w="12700" cap="flat" cmpd="sng" algn="ctr">
+                      <a:solidFill>
+                        <a:schemeClr val="tx1"/>
+                      </a:solidFill>
+                      <a:prstDash val="solid"/>
+                      <a:round/>
+                      <a:headEnd type="none" w="med" len="med"/>
+                      <a:tailEnd type="none" w="med" len="med"/>
+                    </a:lnT>
+                    <a:lnB w="12700" cap="flat" cmpd="sng" algn="ctr">
+                      <a:solidFill>
+                        <a:schemeClr val="tx1"/>
+                      </a:solidFill>
+                      <a:prstDash val="solid"/>
+                      <a:round/>
+                      <a:headEnd type="none" w="med" len="med"/>
+                      <a:tailEnd type="none" w="med" len="med"/>
+                    </a:lnB>
+                    <a:solidFill>
+                      <a:schemeClr val="bg1"/>
+                    </a:solidFill>
+                  </a:tcPr>
+                </a:tc>
+                <a:tc>
+                  <a:txBody>
+                    <a:bodyPr/>
+                    <a:lstStyle/>
+                    <a:p>
+                      <a:pPr algn="ctr"/>
+                      <a:r>
+                        <a:rPr lang="en-US" dirty="0">
+                          <a:solidFill>
+                            <a:schemeClr val="tx1"/>
+                          </a:solidFill>
+                        </a:rPr>
+                        <a:t>10</a:t>
+                      </a:r>
+                    </a:p>
+                  </a:txBody>
+                  <a:tcPr>
+                    <a:lnL w="12700" cap="flat" cmpd="sng" algn="ctr">
+                      <a:solidFill>
+                        <a:schemeClr val="tx1"/>
+                      </a:solidFill>
+                      <a:prstDash val="solid"/>
+                      <a:round/>
+                      <a:headEnd type="none" w="med" len="med"/>
+                      <a:tailEnd type="none" w="med" len="med"/>
+                    </a:lnL>
+                    <a:lnR w="12700" cap="flat" cmpd="sng" algn="ctr">
+                      <a:solidFill>
+                        <a:schemeClr val="tx1"/>
+                      </a:solidFill>
+                      <a:prstDash val="solid"/>
+                      <a:round/>
+                      <a:headEnd type="none" w="med" len="med"/>
+                      <a:tailEnd type="none" w="med" len="med"/>
+                    </a:lnR>
+                    <a:lnT w="12700" cap="flat" cmpd="sng" algn="ctr">
+                      <a:solidFill>
+                        <a:schemeClr val="tx1"/>
+                      </a:solidFill>
+                      <a:prstDash val="solid"/>
+                      <a:round/>
+                      <a:headEnd type="none" w="med" len="med"/>
+                      <a:tailEnd type="none" w="med" len="med"/>
+                    </a:lnT>
+                    <a:lnB w="12700" cap="flat" cmpd="sng" algn="ctr">
+                      <a:solidFill>
+                        <a:schemeClr val="tx1"/>
+                      </a:solidFill>
+                      <a:prstDash val="solid"/>
+                      <a:round/>
+                      <a:headEnd type="none" w="med" len="med"/>
+                      <a:tailEnd type="none" w="med" len="med"/>
+                    </a:lnB>
+                    <a:solidFill>
+                      <a:schemeClr val="bg1"/>
+                    </a:solidFill>
+                  </a:tcPr>
+                </a:tc>
+                <a:tc>
+                  <a:txBody>
+                    <a:bodyPr/>
+                    <a:lstStyle/>
+                    <a:p>
+                      <a:pPr algn="ctr"/>
+                      <a:r>
+                        <a:rPr lang="en-US" dirty="0">
+                          <a:solidFill>
+                            <a:schemeClr val="tx1"/>
+                          </a:solidFill>
+                        </a:rPr>
+                        <a:t>11</a:t>
+                      </a:r>
+                    </a:p>
+                  </a:txBody>
+                  <a:tcPr>
+                    <a:lnL w="12700" cap="flat" cmpd="sng" algn="ctr">
+                      <a:solidFill>
+                        <a:schemeClr val="tx1"/>
+                      </a:solidFill>
+                      <a:prstDash val="solid"/>
+                      <a:round/>
+                      <a:headEnd type="none" w="med" len="med"/>
+                      <a:tailEnd type="none" w="med" len="med"/>
+                    </a:lnL>
+                    <a:lnR w="12700" cap="flat" cmpd="sng" algn="ctr">
+                      <a:solidFill>
+                        <a:schemeClr val="tx1"/>
+                      </a:solidFill>
+                      <a:prstDash val="solid"/>
+                      <a:round/>
+                      <a:headEnd type="none" w="med" len="med"/>
+                      <a:tailEnd type="none" w="med" len="med"/>
+                    </a:lnR>
+                    <a:lnT w="12700" cap="flat" cmpd="sng" algn="ctr">
+                      <a:solidFill>
+                        <a:schemeClr val="tx1"/>
+                      </a:solidFill>
+                      <a:prstDash val="solid"/>
+                      <a:round/>
+                      <a:headEnd type="none" w="med" len="med"/>
+                      <a:tailEnd type="none" w="med" len="med"/>
+                    </a:lnT>
+                    <a:lnB w="12700" cap="flat" cmpd="sng" algn="ctr">
+                      <a:solidFill>
+                        <a:schemeClr val="tx1"/>
+                      </a:solidFill>
+                      <a:prstDash val="solid"/>
+                      <a:round/>
+                      <a:headEnd type="none" w="med" len="med"/>
+                      <a:tailEnd type="none" w="med" len="med"/>
+                    </a:lnB>
+                    <a:solidFill>
+                      <a:schemeClr val="bg1"/>
+                    </a:solidFill>
+                  </a:tcPr>
+                </a:tc>
+                <a:extLst>
+                  <a:ext uri="{0D108BD9-81ED-4DB2-BD59-A6C34878D82A}">
+                    <a16:rowId xmlns:a16="http://schemas.microsoft.com/office/drawing/2014/main" val="17648990"/>
+                  </a:ext>
+                </a:extLst>
+              </a:tr>
+              <a:tr h="871700">
+                <a:tc>
+                  <a:txBody>
+                    <a:bodyPr/>
+                    <a:lstStyle/>
+                    <a:p>
+                      <a:pPr algn="ctr"/>
+                      <a:r>
+                        <a:rPr lang="en-US" dirty="0">
+                          <a:solidFill>
+                            <a:schemeClr val="tx1"/>
+                          </a:solidFill>
+                        </a:rPr>
+                        <a:t>3</a:t>
+                      </a:r>
+                    </a:p>
+                  </a:txBody>
+                  <a:tcPr>
+                    <a:lnL w="12700" cap="flat" cmpd="sng" algn="ctr">
+                      <a:solidFill>
+                        <a:schemeClr val="tx1"/>
+                      </a:solidFill>
+                      <a:prstDash val="solid"/>
+                      <a:round/>
+                      <a:headEnd type="none" w="med" len="med"/>
+                      <a:tailEnd type="none" w="med" len="med"/>
+                    </a:lnL>
+                    <a:lnR w="12700" cap="flat" cmpd="sng" algn="ctr">
+                      <a:solidFill>
+                        <a:schemeClr val="tx1"/>
+                      </a:solidFill>
+                      <a:prstDash val="solid"/>
+                      <a:round/>
+                      <a:headEnd type="none" w="med" len="med"/>
+                      <a:tailEnd type="none" w="med" len="med"/>
+                    </a:lnR>
+                    <a:lnT w="12700" cap="flat" cmpd="sng" algn="ctr">
+                      <a:solidFill>
+                        <a:schemeClr val="tx1"/>
+                      </a:solidFill>
+                      <a:prstDash val="solid"/>
+                      <a:round/>
+                      <a:headEnd type="none" w="med" len="med"/>
+                      <a:tailEnd type="none" w="med" len="med"/>
+                    </a:lnT>
+                    <a:lnB w="12700" cap="flat" cmpd="sng" algn="ctr">
+                      <a:solidFill>
+                        <a:schemeClr val="tx1"/>
+                      </a:solidFill>
+                      <a:prstDash val="solid"/>
+                      <a:round/>
+                      <a:headEnd type="none" w="med" len="med"/>
+                      <a:tailEnd type="none" w="med" len="med"/>
+                    </a:lnB>
+                    <a:solidFill>
+                      <a:schemeClr val="accent6"/>
+                    </a:solidFill>
+                  </a:tcPr>
+                </a:tc>
+                <a:tc>
+                  <a:txBody>
+                    <a:bodyPr/>
+                    <a:lstStyle/>
+                    <a:p>
+                      <a:pPr algn="ctr"/>
+                      <a:r>
+                        <a:rPr lang="en-US" dirty="0">
+                          <a:solidFill>
+                            <a:schemeClr val="tx1"/>
+                          </a:solidFill>
+                        </a:rPr>
+                        <a:t>20</a:t>
+                      </a:r>
+                    </a:p>
+                  </a:txBody>
+                  <a:tcPr>
+                    <a:lnL w="12700" cap="flat" cmpd="sng" algn="ctr">
+                      <a:solidFill>
+                        <a:schemeClr val="tx1"/>
+                      </a:solidFill>
+                      <a:prstDash val="solid"/>
+                      <a:round/>
+                      <a:headEnd type="none" w="med" len="med"/>
+                      <a:tailEnd type="none" w="med" len="med"/>
+                    </a:lnL>
+                    <a:lnR w="12700" cap="flat" cmpd="sng" algn="ctr">
+                      <a:solidFill>
+                        <a:schemeClr val="tx1"/>
+                      </a:solidFill>
+                      <a:prstDash val="solid"/>
+                      <a:round/>
+                      <a:headEnd type="none" w="med" len="med"/>
+                      <a:tailEnd type="none" w="med" len="med"/>
+                    </a:lnR>
+                    <a:lnT w="12700" cap="flat" cmpd="sng" algn="ctr">
+                      <a:solidFill>
+                        <a:schemeClr val="tx1"/>
+                      </a:solidFill>
+                      <a:prstDash val="solid"/>
+                      <a:round/>
+                      <a:headEnd type="none" w="med" len="med"/>
+                      <a:tailEnd type="none" w="med" len="med"/>
+                    </a:lnT>
+                    <a:lnB w="12700" cap="flat" cmpd="sng" algn="ctr">
+                      <a:solidFill>
+                        <a:schemeClr val="tx1"/>
+                      </a:solidFill>
+                      <a:prstDash val="solid"/>
+                      <a:round/>
+                      <a:headEnd type="none" w="med" len="med"/>
+                      <a:tailEnd type="none" w="med" len="med"/>
+                    </a:lnB>
+                    <a:solidFill>
+                      <a:schemeClr val="bg1"/>
+                    </a:solidFill>
+                  </a:tcPr>
+                </a:tc>
+                <a:tc>
+                  <a:txBody>
+                    <a:bodyPr/>
+                    <a:lstStyle/>
+                    <a:p>
+                      <a:pPr algn="ctr"/>
+                      <a:r>
+                        <a:rPr lang="en-US" dirty="0">
+                          <a:solidFill>
+                            <a:schemeClr val="tx1"/>
+                          </a:solidFill>
+                        </a:rPr>
+                        <a:t>10</a:t>
+                      </a:r>
+                    </a:p>
+                  </a:txBody>
+                  <a:tcPr>
+                    <a:lnL w="12700" cap="flat" cmpd="sng" algn="ctr">
+                      <a:solidFill>
+                        <a:schemeClr val="tx1"/>
+                      </a:solidFill>
+                      <a:prstDash val="solid"/>
+                      <a:round/>
+                      <a:headEnd type="none" w="med" len="med"/>
+                      <a:tailEnd type="none" w="med" len="med"/>
+                    </a:lnL>
+                    <a:lnR w="12700" cap="flat" cmpd="sng" algn="ctr">
+                      <a:solidFill>
+                        <a:schemeClr val="tx1"/>
+                      </a:solidFill>
+                      <a:prstDash val="solid"/>
+                      <a:round/>
+                      <a:headEnd type="none" w="med" len="med"/>
+                      <a:tailEnd type="none" w="med" len="med"/>
+                    </a:lnR>
+                    <a:lnT w="12700" cap="flat" cmpd="sng" algn="ctr">
+                      <a:solidFill>
+                        <a:schemeClr val="tx1"/>
+                      </a:solidFill>
+                      <a:prstDash val="solid"/>
+                      <a:round/>
+                      <a:headEnd type="none" w="med" len="med"/>
+                      <a:tailEnd type="none" w="med" len="med"/>
+                    </a:lnT>
+                    <a:lnB w="12700" cap="flat" cmpd="sng" algn="ctr">
+                      <a:solidFill>
+                        <a:schemeClr val="tx1"/>
+                      </a:solidFill>
+                      <a:prstDash val="solid"/>
+                      <a:round/>
+                      <a:headEnd type="none" w="med" len="med"/>
+                      <a:tailEnd type="none" w="med" len="med"/>
+                    </a:lnB>
+                    <a:solidFill>
+                      <a:schemeClr val="bg1"/>
+                    </a:solidFill>
+                  </a:tcPr>
+                </a:tc>
+                <a:tc>
+                  <a:txBody>
+                    <a:bodyPr/>
+                    <a:lstStyle/>
+                    <a:p>
+                      <a:pPr algn="ctr"/>
+                      <a:r>
+                        <a:rPr lang="en-US" dirty="0">
+                          <a:solidFill>
+                            <a:schemeClr val="tx1"/>
+                          </a:solidFill>
+                        </a:rPr>
+                        <a:t>15</a:t>
+                      </a:r>
+                    </a:p>
+                  </a:txBody>
+                  <a:tcPr>
+                    <a:lnL w="12700" cap="flat" cmpd="sng" algn="ctr">
+                      <a:solidFill>
+                        <a:schemeClr val="tx1"/>
+                      </a:solidFill>
+                      <a:prstDash val="solid"/>
+                      <a:round/>
+                      <a:headEnd type="none" w="med" len="med"/>
+                      <a:tailEnd type="none" w="med" len="med"/>
+                    </a:lnL>
+                    <a:lnR w="12700" cap="flat" cmpd="sng" algn="ctr">
+                      <a:solidFill>
+                        <a:schemeClr val="tx1"/>
+                      </a:solidFill>
+                      <a:prstDash val="solid"/>
+                      <a:round/>
+                      <a:headEnd type="none" w="med" len="med"/>
+                      <a:tailEnd type="none" w="med" len="med"/>
+                    </a:lnR>
+                    <a:lnT w="12700" cap="flat" cmpd="sng" algn="ctr">
+                      <a:solidFill>
+                        <a:schemeClr val="tx1"/>
+                      </a:solidFill>
+                      <a:prstDash val="solid"/>
+                      <a:round/>
+                      <a:headEnd type="none" w="med" len="med"/>
+                      <a:tailEnd type="none" w="med" len="med"/>
+                    </a:lnT>
+                    <a:lnB w="12700" cap="flat" cmpd="sng" algn="ctr">
+                      <a:solidFill>
+                        <a:schemeClr val="tx1"/>
+                      </a:solidFill>
+                      <a:prstDash val="solid"/>
+                      <a:round/>
+                      <a:headEnd type="none" w="med" len="med"/>
+                      <a:tailEnd type="none" w="med" len="med"/>
+                    </a:lnB>
+                    <a:solidFill>
+                      <a:schemeClr val="bg1"/>
+                    </a:solidFill>
+                  </a:tcPr>
+                </a:tc>
+                <a:extLst>
+                  <a:ext uri="{0D108BD9-81ED-4DB2-BD59-A6C34878D82A}">
+                    <a16:rowId xmlns:a16="http://schemas.microsoft.com/office/drawing/2014/main" val="1916180093"/>
+                  </a:ext>
+                </a:extLst>
+              </a:tr>
+              <a:tr h="871700">
+                <a:tc>
+                  <a:txBody>
+                    <a:bodyPr/>
+                    <a:lstStyle/>
+                    <a:p>
+                      <a:pPr algn="ctr"/>
+                      <a:r>
+                        <a:rPr lang="en-US" dirty="0">
+                          <a:solidFill>
+                            <a:schemeClr val="tx1"/>
+                          </a:solidFill>
+                        </a:rPr>
+                        <a:t>4</a:t>
+                      </a:r>
+                    </a:p>
+                  </a:txBody>
+                  <a:tcPr>
+                    <a:lnL w="12700" cap="flat" cmpd="sng" algn="ctr">
+                      <a:solidFill>
+                        <a:schemeClr val="tx1"/>
+                      </a:solidFill>
+                      <a:prstDash val="solid"/>
+                      <a:round/>
+                      <a:headEnd type="none" w="med" len="med"/>
+                      <a:tailEnd type="none" w="med" len="med"/>
+                    </a:lnL>
+                    <a:lnR w="12700" cap="flat" cmpd="sng" algn="ctr">
+                      <a:solidFill>
+                        <a:schemeClr val="tx1"/>
+                      </a:solidFill>
+                      <a:prstDash val="solid"/>
+                      <a:round/>
+                      <a:headEnd type="none" w="med" len="med"/>
+                      <a:tailEnd type="none" w="med" len="med"/>
+                    </a:lnR>
+                    <a:lnT w="12700" cap="flat" cmpd="sng" algn="ctr">
+                      <a:solidFill>
+                        <a:schemeClr val="tx1"/>
+                      </a:solidFill>
+                      <a:prstDash val="solid"/>
+                      <a:round/>
+                      <a:headEnd type="none" w="med" len="med"/>
+                      <a:tailEnd type="none" w="med" len="med"/>
+                    </a:lnT>
+                    <a:lnB w="12700" cap="flat" cmpd="sng" algn="ctr">
+                      <a:solidFill>
+                        <a:schemeClr val="tx1"/>
+                      </a:solidFill>
+                      <a:prstDash val="solid"/>
+                      <a:round/>
+                      <a:headEnd type="none" w="med" len="med"/>
+                      <a:tailEnd type="none" w="med" len="med"/>
+                    </a:lnB>
+                    <a:solidFill>
+                      <a:srgbClr val="00B0F0"/>
+                    </a:solidFill>
+                  </a:tcPr>
+                </a:tc>
+                <a:tc>
+                  <a:txBody>
+                    <a:bodyPr/>
+                    <a:lstStyle/>
+                    <a:p>
+                      <a:pPr algn="ctr"/>
+                      <a:r>
+                        <a:rPr lang="en-US" dirty="0">
+                          <a:solidFill>
+                            <a:schemeClr val="tx1"/>
+                          </a:solidFill>
+                        </a:rPr>
+                        <a:t>20</a:t>
+                      </a:r>
+                    </a:p>
+                  </a:txBody>
+                  <a:tcPr>
+                    <a:lnL w="12700" cap="flat" cmpd="sng" algn="ctr">
+                      <a:solidFill>
+                        <a:schemeClr val="tx1"/>
+                      </a:solidFill>
+                      <a:prstDash val="solid"/>
+                      <a:round/>
+                      <a:headEnd type="none" w="med" len="med"/>
+                      <a:tailEnd type="none" w="med" len="med"/>
+                    </a:lnL>
+                    <a:lnR w="12700" cap="flat" cmpd="sng" algn="ctr">
+                      <a:solidFill>
+                        <a:schemeClr val="tx1"/>
+                      </a:solidFill>
+                      <a:prstDash val="solid"/>
+                      <a:round/>
+                      <a:headEnd type="none" w="med" len="med"/>
+                      <a:tailEnd type="none" w="med" len="med"/>
+                    </a:lnR>
+                    <a:lnT w="12700" cap="flat" cmpd="sng" algn="ctr">
+                      <a:solidFill>
+                        <a:schemeClr val="tx1"/>
+                      </a:solidFill>
+                      <a:prstDash val="solid"/>
+                      <a:round/>
+                      <a:headEnd type="none" w="med" len="med"/>
+                      <a:tailEnd type="none" w="med" len="med"/>
+                    </a:lnT>
+                    <a:lnB w="12700" cap="flat" cmpd="sng" algn="ctr">
+                      <a:solidFill>
+                        <a:schemeClr val="tx1"/>
+                      </a:solidFill>
+                      <a:prstDash val="solid"/>
+                      <a:round/>
+                      <a:headEnd type="none" w="med" len="med"/>
+                      <a:tailEnd type="none" w="med" len="med"/>
+                    </a:lnB>
+                    <a:solidFill>
+                      <a:schemeClr val="bg1"/>
+                    </a:solidFill>
+                  </a:tcPr>
+                </a:tc>
+                <a:tc>
+                  <a:txBody>
+                    <a:bodyPr/>
+                    <a:lstStyle/>
+                    <a:p>
+                      <a:pPr algn="ctr"/>
+                      <a:r>
+                        <a:rPr lang="en-US" dirty="0">
+                          <a:solidFill>
+                            <a:schemeClr val="tx1"/>
+                          </a:solidFill>
+                        </a:rPr>
+                        <a:t>31</a:t>
+                      </a:r>
+                    </a:p>
+                  </a:txBody>
+                  <a:tcPr>
+                    <a:lnL w="12700" cap="flat" cmpd="sng" algn="ctr">
+                      <a:solidFill>
+                        <a:schemeClr val="tx1"/>
+                      </a:solidFill>
+                      <a:prstDash val="solid"/>
+                      <a:round/>
+                      <a:headEnd type="none" w="med" len="med"/>
+                      <a:tailEnd type="none" w="med" len="med"/>
+                    </a:lnL>
+                    <a:lnR w="12700" cap="flat" cmpd="sng" algn="ctr">
+                      <a:solidFill>
+                        <a:schemeClr val="tx1"/>
+                      </a:solidFill>
+                      <a:prstDash val="solid"/>
+                      <a:round/>
+                      <a:headEnd type="none" w="med" len="med"/>
+                      <a:tailEnd type="none" w="med" len="med"/>
+                    </a:lnR>
+                    <a:lnT w="12700" cap="flat" cmpd="sng" algn="ctr">
+                      <a:solidFill>
+                        <a:schemeClr val="tx1"/>
+                      </a:solidFill>
+                      <a:prstDash val="solid"/>
+                      <a:round/>
+                      <a:headEnd type="none" w="med" len="med"/>
+                      <a:tailEnd type="none" w="med" len="med"/>
+                    </a:lnT>
+                    <a:lnB w="12700" cap="flat" cmpd="sng" algn="ctr">
+                      <a:solidFill>
+                        <a:schemeClr val="tx1"/>
+                      </a:solidFill>
+                      <a:prstDash val="solid"/>
+                      <a:round/>
+                      <a:headEnd type="none" w="med" len="med"/>
+                      <a:tailEnd type="none" w="med" len="med"/>
+                    </a:lnB>
+                    <a:solidFill>
+                      <a:schemeClr val="bg1"/>
+                    </a:solidFill>
+                  </a:tcPr>
+                </a:tc>
+                <a:tc>
+                  <a:txBody>
+                    <a:bodyPr/>
+                    <a:lstStyle/>
+                    <a:p>
+                      <a:pPr algn="ctr"/>
+                      <a:endParaRPr lang="en-US" dirty="0">
+                        <a:solidFill>
+                          <a:schemeClr val="tx1"/>
+                        </a:solidFill>
+                      </a:endParaRPr>
+                    </a:p>
+                  </a:txBody>
+                  <a:tcPr>
+                    <a:lnL w="12700" cap="flat" cmpd="sng" algn="ctr">
+                      <a:solidFill>
+                        <a:schemeClr val="tx1"/>
+                      </a:solidFill>
+                      <a:prstDash val="solid"/>
+                      <a:round/>
+                      <a:headEnd type="none" w="med" len="med"/>
+                      <a:tailEnd type="none" w="med" len="med"/>
+                    </a:lnL>
+                    <a:lnR w="12700" cap="flat" cmpd="sng" algn="ctr">
+                      <a:solidFill>
+                        <a:schemeClr val="tx1"/>
+                      </a:solidFill>
+                      <a:prstDash val="solid"/>
+                      <a:round/>
+                      <a:headEnd type="none" w="med" len="med"/>
+                      <a:tailEnd type="none" w="med" len="med"/>
+                    </a:lnR>
+                    <a:lnT w="12700" cap="flat" cmpd="sng" algn="ctr">
+                      <a:solidFill>
+                        <a:schemeClr val="tx1"/>
+                      </a:solidFill>
+                      <a:prstDash val="solid"/>
+                      <a:round/>
+                      <a:headEnd type="none" w="med" len="med"/>
+                      <a:tailEnd type="none" w="med" len="med"/>
+                    </a:lnT>
+                    <a:lnB w="12700" cap="flat" cmpd="sng" algn="ctr">
+                      <a:solidFill>
+                        <a:schemeClr val="tx1"/>
+                      </a:solidFill>
+                      <a:prstDash val="solid"/>
+                      <a:round/>
+                      <a:headEnd type="none" w="med" len="med"/>
+                      <a:tailEnd type="none" w="med" len="med"/>
+                    </a:lnB>
+                    <a:solidFill>
+                      <a:schemeClr val="bg1"/>
+                    </a:solidFill>
+                  </a:tcPr>
+                </a:tc>
+                <a:extLst>
+                  <a:ext uri="{0D108BD9-81ED-4DB2-BD59-A6C34878D82A}">
+                    <a16:rowId xmlns:a16="http://schemas.microsoft.com/office/drawing/2014/main" val="144667720"/>
+                  </a:ext>
+                </a:extLst>
+              </a:tr>
+            </a:tbl>
+          </a:graphicData>
+        </a:graphic>
+      </p:graphicFrame>
+    </p:spTree>
+    <p:extLst>
+      <p:ext uri="{BB962C8B-B14F-4D97-AF65-F5344CB8AC3E}">
+        <p14:creationId xmlns:p14="http://schemas.microsoft.com/office/powerpoint/2010/main" val="3144486163"/>
+      </p:ext>
+    </p:extLst>
+  </p:cSld>
+  <p:clrMapOvr>
+    <a:masterClrMapping/>
+  </p:clrMapOvr>
+</p:sld>
+</file>
+
 <file path=ppt/theme/theme1.xml><?xml version="1.0" encoding="utf-8"?>
 <a:theme xmlns:a="http://schemas.openxmlformats.org/drawingml/2006/main" name="Office Theme">
   <a:themeElements>

--- a/static/slides/l2ppt.pptx
+++ b/static/slides/l2ppt.pptx
@@ -11,7 +11,8 @@
     <p:sldId id="262" r:id="rId5"/>
     <p:sldId id="263" r:id="rId6"/>
     <p:sldId id="264" r:id="rId7"/>
-    <p:sldId id="265" r:id="rId8"/>
+    <p:sldId id="266" r:id="rId8"/>
+    <p:sldId id="265" r:id="rId9"/>
   </p:sldIdLst>
   <p:sldSz cx="12192000" cy="6858000"/>
   <p:notesSz cx="6858000" cy="9144000"/>
@@ -110,6 +111,11 @@
       </a:defRPr>
     </a:lvl9pPr>
   </p:defaultTextStyle>
+  <p:extLst>
+    <p:ext uri="{EFAFB233-063F-42B5-8137-9DF3F51BA10A}">
+      <p15:sldGuideLst xmlns:p15="http://schemas.microsoft.com/office/powerpoint/2012/main"/>
+    </p:ext>
+  </p:extLst>
 </p:presentation>
 </file>
 
@@ -13755,6 +13761,1280 @@
           <p:cNvPr id="4" name="Table 3">
             <a:extLst>
               <a:ext uri="{FF2B5EF4-FFF2-40B4-BE49-F238E27FC236}">
+                <a16:creationId xmlns:a16="http://schemas.microsoft.com/office/drawing/2014/main" id="{9BC55E5A-6F37-4744-BA2C-47C4750C5666}"/>
+              </a:ext>
+            </a:extLst>
+          </p:cNvPr>
+          <p:cNvGraphicFramePr>
+            <a:graphicFrameLocks noGrp="1"/>
+          </p:cNvGraphicFramePr>
+          <p:nvPr>
+            <p:extLst>
+              <p:ext uri="{D42A27DB-BD31-4B8C-83A1-F6EECF244321}">
+                <p14:modId xmlns:p14="http://schemas.microsoft.com/office/powerpoint/2010/main" val="4108210545"/>
+              </p:ext>
+            </p:extLst>
+          </p:nvPr>
+        </p:nvGraphicFramePr>
+        <p:xfrm>
+          <a:off x="1567543" y="719666"/>
+          <a:ext cx="8592462" cy="3025020"/>
+        </p:xfrm>
+        <a:graphic>
+          <a:graphicData uri="http://schemas.openxmlformats.org/drawingml/2006/table">
+            <a:tbl>
+              <a:tblPr firstRow="1" bandRow="1">
+                <a:tableStyleId>{5C22544A-7EE6-4342-B048-85BDC9FD1C3A}</a:tableStyleId>
+              </a:tblPr>
+              <a:tblGrid>
+                <a:gridCol w="1432077">
+                  <a:extLst>
+                    <a:ext uri="{9D8B030D-6E8A-4147-A177-3AD203B41FA5}">
+                      <a16:colId xmlns:a16="http://schemas.microsoft.com/office/drawing/2014/main" val="2061366409"/>
+                    </a:ext>
+                  </a:extLst>
+                </a:gridCol>
+                <a:gridCol w="1432077">
+                  <a:extLst>
+                    <a:ext uri="{9D8B030D-6E8A-4147-A177-3AD203B41FA5}">
+                      <a16:colId xmlns:a16="http://schemas.microsoft.com/office/drawing/2014/main" val="1685808307"/>
+                    </a:ext>
+                  </a:extLst>
+                </a:gridCol>
+                <a:gridCol w="1432077">
+                  <a:extLst>
+                    <a:ext uri="{9D8B030D-6E8A-4147-A177-3AD203B41FA5}">
+                      <a16:colId xmlns:a16="http://schemas.microsoft.com/office/drawing/2014/main" val="1458063321"/>
+                    </a:ext>
+                  </a:extLst>
+                </a:gridCol>
+                <a:gridCol w="1432077">
+                  <a:extLst>
+                    <a:ext uri="{9D8B030D-6E8A-4147-A177-3AD203B41FA5}">
+                      <a16:colId xmlns:a16="http://schemas.microsoft.com/office/drawing/2014/main" val="3048786371"/>
+                    </a:ext>
+                  </a:extLst>
+                </a:gridCol>
+                <a:gridCol w="1432077">
+                  <a:extLst>
+                    <a:ext uri="{9D8B030D-6E8A-4147-A177-3AD203B41FA5}">
+                      <a16:colId xmlns:a16="http://schemas.microsoft.com/office/drawing/2014/main" val="3395206433"/>
+                    </a:ext>
+                  </a:extLst>
+                </a:gridCol>
+                <a:gridCol w="1432077">
+                  <a:extLst>
+                    <a:ext uri="{9D8B030D-6E8A-4147-A177-3AD203B41FA5}">
+                      <a16:colId xmlns:a16="http://schemas.microsoft.com/office/drawing/2014/main" val="2257085674"/>
+                    </a:ext>
+                  </a:extLst>
+                </a:gridCol>
+              </a:tblGrid>
+              <a:tr h="1512510">
+                <a:tc>
+                  <a:txBody>
+                    <a:bodyPr/>
+                    <a:lstStyle/>
+                    <a:p>
+                      <a:endParaRPr lang="en-US" dirty="0"/>
+                    </a:p>
+                  </a:txBody>
+                  <a:tcPr>
+                    <a:lnL w="12700" cap="flat" cmpd="sng" algn="ctr">
+                      <a:solidFill>
+                        <a:schemeClr val="tx1"/>
+                      </a:solidFill>
+                      <a:prstDash val="solid"/>
+                      <a:round/>
+                      <a:headEnd type="none" w="med" len="med"/>
+                      <a:tailEnd type="none" w="med" len="med"/>
+                    </a:lnL>
+                    <a:lnR w="12700" cap="flat" cmpd="sng" algn="ctr">
+                      <a:solidFill>
+                        <a:schemeClr val="tx1"/>
+                      </a:solidFill>
+                      <a:prstDash val="solid"/>
+                      <a:round/>
+                      <a:headEnd type="none" w="med" len="med"/>
+                      <a:tailEnd type="none" w="med" len="med"/>
+                    </a:lnR>
+                    <a:lnT w="12700" cap="flat" cmpd="sng" algn="ctr">
+                      <a:solidFill>
+                        <a:schemeClr val="tx1"/>
+                      </a:solidFill>
+                      <a:prstDash val="solid"/>
+                      <a:round/>
+                      <a:headEnd type="none" w="med" len="med"/>
+                      <a:tailEnd type="none" w="med" len="med"/>
+                    </a:lnT>
+                    <a:lnB w="12700" cap="flat" cmpd="sng" algn="ctr">
+                      <a:solidFill>
+                        <a:schemeClr val="tx1"/>
+                      </a:solidFill>
+                      <a:prstDash val="solid"/>
+                      <a:round/>
+                      <a:headEnd type="none" w="med" len="med"/>
+                      <a:tailEnd type="none" w="med" len="med"/>
+                    </a:lnB>
+                    <a:lnTlToBr w="12700" cmpd="sng">
+                      <a:noFill/>
+                      <a:prstDash val="solid"/>
+                    </a:lnTlToBr>
+                    <a:lnBlToTr w="12700" cmpd="sng">
+                      <a:noFill/>
+                      <a:prstDash val="solid"/>
+                    </a:lnBlToTr>
+                    <a:solidFill>
+                      <a:schemeClr val="accent6">
+                        <a:lumMod val="60000"/>
+                        <a:lumOff val="40000"/>
+                      </a:schemeClr>
+                    </a:solidFill>
+                  </a:tcPr>
+                </a:tc>
+                <a:tc>
+                  <a:txBody>
+                    <a:bodyPr/>
+                    <a:lstStyle/>
+                    <a:p>
+                      <a:endParaRPr lang="en-US" dirty="0"/>
+                    </a:p>
+                  </a:txBody>
+                  <a:tcPr>
+                    <a:lnL w="12700" cap="flat" cmpd="sng" algn="ctr">
+                      <a:solidFill>
+                        <a:schemeClr val="tx1"/>
+                      </a:solidFill>
+                      <a:prstDash val="solid"/>
+                      <a:round/>
+                      <a:headEnd type="none" w="med" len="med"/>
+                      <a:tailEnd type="none" w="med" len="med"/>
+                    </a:lnL>
+                    <a:lnR w="12700" cap="flat" cmpd="sng" algn="ctr">
+                      <a:solidFill>
+                        <a:schemeClr val="tx1"/>
+                      </a:solidFill>
+                      <a:prstDash val="solid"/>
+                      <a:round/>
+                      <a:headEnd type="none" w="med" len="med"/>
+                      <a:tailEnd type="none" w="med" len="med"/>
+                    </a:lnR>
+                    <a:lnT w="12700" cap="flat" cmpd="sng" algn="ctr">
+                      <a:solidFill>
+                        <a:schemeClr val="tx1"/>
+                      </a:solidFill>
+                      <a:prstDash val="solid"/>
+                      <a:round/>
+                      <a:headEnd type="none" w="med" len="med"/>
+                      <a:tailEnd type="none" w="med" len="med"/>
+                    </a:lnT>
+                    <a:lnB w="12700" cap="flat" cmpd="sng" algn="ctr">
+                      <a:solidFill>
+                        <a:schemeClr val="tx1"/>
+                      </a:solidFill>
+                      <a:prstDash val="solid"/>
+                      <a:round/>
+                      <a:headEnd type="none" w="med" len="med"/>
+                      <a:tailEnd type="none" w="med" len="med"/>
+                    </a:lnB>
+                    <a:lnTlToBr w="12700" cmpd="sng">
+                      <a:noFill/>
+                      <a:prstDash val="solid"/>
+                    </a:lnTlToBr>
+                    <a:lnBlToTr w="12700" cmpd="sng">
+                      <a:noFill/>
+                      <a:prstDash val="solid"/>
+                    </a:lnBlToTr>
+                    <a:solidFill>
+                      <a:schemeClr val="accent6">
+                        <a:lumMod val="60000"/>
+                        <a:lumOff val="40000"/>
+                      </a:schemeClr>
+                    </a:solidFill>
+                  </a:tcPr>
+                </a:tc>
+                <a:tc>
+                  <a:txBody>
+                    <a:bodyPr/>
+                    <a:lstStyle/>
+                    <a:p>
+                      <a:endParaRPr lang="en-US" dirty="0"/>
+                    </a:p>
+                  </a:txBody>
+                  <a:tcPr>
+                    <a:lnL w="12700" cap="flat" cmpd="sng" algn="ctr">
+                      <a:solidFill>
+                        <a:schemeClr val="tx1"/>
+                      </a:solidFill>
+                      <a:prstDash val="solid"/>
+                      <a:round/>
+                      <a:headEnd type="none" w="med" len="med"/>
+                      <a:tailEnd type="none" w="med" len="med"/>
+                    </a:lnL>
+                    <a:lnR w="12700" cap="flat" cmpd="sng" algn="ctr">
+                      <a:solidFill>
+                        <a:schemeClr val="tx1"/>
+                      </a:solidFill>
+                      <a:prstDash val="solid"/>
+                      <a:round/>
+                      <a:headEnd type="none" w="med" len="med"/>
+                      <a:tailEnd type="none" w="med" len="med"/>
+                    </a:lnR>
+                    <a:lnT w="12700" cap="flat" cmpd="sng" algn="ctr">
+                      <a:solidFill>
+                        <a:schemeClr val="tx1"/>
+                      </a:solidFill>
+                      <a:prstDash val="solid"/>
+                      <a:round/>
+                      <a:headEnd type="none" w="med" len="med"/>
+                      <a:tailEnd type="none" w="med" len="med"/>
+                    </a:lnT>
+                    <a:lnB w="12700" cap="flat" cmpd="sng" algn="ctr">
+                      <a:solidFill>
+                        <a:schemeClr val="tx1"/>
+                      </a:solidFill>
+                      <a:prstDash val="solid"/>
+                      <a:round/>
+                      <a:headEnd type="none" w="med" len="med"/>
+                      <a:tailEnd type="none" w="med" len="med"/>
+                    </a:lnB>
+                    <a:lnTlToBr w="12700" cmpd="sng">
+                      <a:noFill/>
+                      <a:prstDash val="solid"/>
+                    </a:lnTlToBr>
+                    <a:lnBlToTr w="12700" cmpd="sng">
+                      <a:noFill/>
+                      <a:prstDash val="solid"/>
+                    </a:lnBlToTr>
+                    <a:solidFill>
+                      <a:schemeClr val="accent6">
+                        <a:lumMod val="60000"/>
+                        <a:lumOff val="40000"/>
+                      </a:schemeClr>
+                    </a:solidFill>
+                  </a:tcPr>
+                </a:tc>
+                <a:tc>
+                  <a:txBody>
+                    <a:bodyPr/>
+                    <a:lstStyle/>
+                    <a:p>
+                      <a:endParaRPr lang="en-US" dirty="0"/>
+                    </a:p>
+                  </a:txBody>
+                  <a:tcPr>
+                    <a:lnL w="12700" cap="flat" cmpd="sng" algn="ctr">
+                      <a:solidFill>
+                        <a:schemeClr val="tx1"/>
+                      </a:solidFill>
+                      <a:prstDash val="solid"/>
+                      <a:round/>
+                      <a:headEnd type="none" w="med" len="med"/>
+                      <a:tailEnd type="none" w="med" len="med"/>
+                    </a:lnL>
+                    <a:lnR w="12700" cap="flat" cmpd="sng" algn="ctr">
+                      <a:solidFill>
+                        <a:schemeClr val="tx1"/>
+                      </a:solidFill>
+                      <a:prstDash val="solid"/>
+                      <a:round/>
+                      <a:headEnd type="none" w="med" len="med"/>
+                      <a:tailEnd type="none" w="med" len="med"/>
+                    </a:lnR>
+                    <a:lnT w="12700" cap="flat" cmpd="sng" algn="ctr">
+                      <a:solidFill>
+                        <a:schemeClr val="tx1"/>
+                      </a:solidFill>
+                      <a:prstDash val="solid"/>
+                      <a:round/>
+                      <a:headEnd type="none" w="med" len="med"/>
+                      <a:tailEnd type="none" w="med" len="med"/>
+                    </a:lnT>
+                    <a:lnB w="12700" cap="flat" cmpd="sng" algn="ctr">
+                      <a:solidFill>
+                        <a:schemeClr val="tx1"/>
+                      </a:solidFill>
+                      <a:prstDash val="solid"/>
+                      <a:round/>
+                      <a:headEnd type="none" w="med" len="med"/>
+                      <a:tailEnd type="none" w="med" len="med"/>
+                    </a:lnB>
+                    <a:lnTlToBr w="12700" cmpd="sng">
+                      <a:noFill/>
+                      <a:prstDash val="solid"/>
+                    </a:lnTlToBr>
+                    <a:lnBlToTr w="12700" cmpd="sng">
+                      <a:noFill/>
+                      <a:prstDash val="solid"/>
+                    </a:lnBlToTr>
+                    <a:solidFill>
+                      <a:schemeClr val="accent6">
+                        <a:lumMod val="60000"/>
+                        <a:lumOff val="40000"/>
+                      </a:schemeClr>
+                    </a:solidFill>
+                  </a:tcPr>
+                </a:tc>
+                <a:tc>
+                  <a:txBody>
+                    <a:bodyPr/>
+                    <a:lstStyle/>
+                    <a:p>
+                      <a:endParaRPr lang="en-US" dirty="0"/>
+                    </a:p>
+                  </a:txBody>
+                  <a:tcPr>
+                    <a:lnL w="12700" cap="flat" cmpd="sng" algn="ctr">
+                      <a:solidFill>
+                        <a:schemeClr val="tx1"/>
+                      </a:solidFill>
+                      <a:prstDash val="solid"/>
+                      <a:round/>
+                      <a:headEnd type="none" w="med" len="med"/>
+                      <a:tailEnd type="none" w="med" len="med"/>
+                    </a:lnL>
+                    <a:lnR w="12700" cap="flat" cmpd="sng" algn="ctr">
+                      <a:solidFill>
+                        <a:schemeClr val="tx1"/>
+                      </a:solidFill>
+                      <a:prstDash val="solid"/>
+                      <a:round/>
+                      <a:headEnd type="none" w="med" len="med"/>
+                      <a:tailEnd type="none" w="med" len="med"/>
+                    </a:lnR>
+                    <a:lnT w="12700" cap="flat" cmpd="sng" algn="ctr">
+                      <a:solidFill>
+                        <a:schemeClr val="tx1"/>
+                      </a:solidFill>
+                      <a:prstDash val="solid"/>
+                      <a:round/>
+                      <a:headEnd type="none" w="med" len="med"/>
+                      <a:tailEnd type="none" w="med" len="med"/>
+                    </a:lnT>
+                    <a:lnB w="12700" cap="flat" cmpd="sng" algn="ctr">
+                      <a:solidFill>
+                        <a:schemeClr val="tx1"/>
+                      </a:solidFill>
+                      <a:prstDash val="solid"/>
+                      <a:round/>
+                      <a:headEnd type="none" w="med" len="med"/>
+                      <a:tailEnd type="none" w="med" len="med"/>
+                    </a:lnB>
+                    <a:lnTlToBr w="12700" cmpd="sng">
+                      <a:noFill/>
+                      <a:prstDash val="solid"/>
+                    </a:lnTlToBr>
+                    <a:lnBlToTr w="12700" cmpd="sng">
+                      <a:noFill/>
+                      <a:prstDash val="solid"/>
+                    </a:lnBlToTr>
+                    <a:solidFill>
+                      <a:schemeClr val="accent6">
+                        <a:lumMod val="60000"/>
+                        <a:lumOff val="40000"/>
+                      </a:schemeClr>
+                    </a:solidFill>
+                  </a:tcPr>
+                </a:tc>
+                <a:tc>
+                  <a:txBody>
+                    <a:bodyPr/>
+                    <a:lstStyle/>
+                    <a:p>
+                      <a:endParaRPr lang="en-US" dirty="0"/>
+                    </a:p>
+                  </a:txBody>
+                  <a:tcPr>
+                    <a:lnL w="12700" cap="flat" cmpd="sng" algn="ctr">
+                      <a:solidFill>
+                        <a:schemeClr val="tx1"/>
+                      </a:solidFill>
+                      <a:prstDash val="solid"/>
+                      <a:round/>
+                      <a:headEnd type="none" w="med" len="med"/>
+                      <a:tailEnd type="none" w="med" len="med"/>
+                    </a:lnL>
+                    <a:lnR w="12700" cap="flat" cmpd="sng" algn="ctr">
+                      <a:solidFill>
+                        <a:schemeClr val="tx1"/>
+                      </a:solidFill>
+                      <a:prstDash val="solid"/>
+                      <a:round/>
+                      <a:headEnd type="none" w="med" len="med"/>
+                      <a:tailEnd type="none" w="med" len="med"/>
+                    </a:lnR>
+                    <a:lnT w="12700" cap="flat" cmpd="sng" algn="ctr">
+                      <a:solidFill>
+                        <a:schemeClr val="tx1"/>
+                      </a:solidFill>
+                      <a:prstDash val="solid"/>
+                      <a:round/>
+                      <a:headEnd type="none" w="med" len="med"/>
+                      <a:tailEnd type="none" w="med" len="med"/>
+                    </a:lnT>
+                    <a:lnB w="12700" cap="flat" cmpd="sng" algn="ctr">
+                      <a:solidFill>
+                        <a:schemeClr val="tx1"/>
+                      </a:solidFill>
+                      <a:prstDash val="solid"/>
+                      <a:round/>
+                      <a:headEnd type="none" w="med" len="med"/>
+                      <a:tailEnd type="none" w="med" len="med"/>
+                    </a:lnB>
+                    <a:lnTlToBr w="12700" cmpd="sng">
+                      <a:noFill/>
+                      <a:prstDash val="solid"/>
+                    </a:lnTlToBr>
+                    <a:lnBlToTr w="12700" cmpd="sng">
+                      <a:noFill/>
+                      <a:prstDash val="solid"/>
+                    </a:lnBlToTr>
+                    <a:solidFill>
+                      <a:schemeClr val="accent6">
+                        <a:lumMod val="60000"/>
+                        <a:lumOff val="40000"/>
+                      </a:schemeClr>
+                    </a:solidFill>
+                  </a:tcPr>
+                </a:tc>
+                <a:extLst>
+                  <a:ext uri="{0D108BD9-81ED-4DB2-BD59-A6C34878D82A}">
+                    <a16:rowId xmlns:a16="http://schemas.microsoft.com/office/drawing/2014/main" val="493412141"/>
+                  </a:ext>
+                </a:extLst>
+              </a:tr>
+              <a:tr h="1512510">
+                <a:tc>
+                  <a:txBody>
+                    <a:bodyPr/>
+                    <a:lstStyle/>
+                    <a:p>
+                      <a:endParaRPr lang="en-US"/>
+                    </a:p>
+                  </a:txBody>
+                  <a:tcPr>
+                    <a:lnL w="12700" cap="flat" cmpd="sng" algn="ctr">
+                      <a:solidFill>
+                        <a:schemeClr val="tx1"/>
+                      </a:solidFill>
+                      <a:prstDash val="solid"/>
+                      <a:round/>
+                      <a:headEnd type="none" w="med" len="med"/>
+                      <a:tailEnd type="none" w="med" len="med"/>
+                    </a:lnL>
+                    <a:lnR w="12700" cap="flat" cmpd="sng" algn="ctr">
+                      <a:solidFill>
+                        <a:schemeClr val="tx1"/>
+                      </a:solidFill>
+                      <a:prstDash val="solid"/>
+                      <a:round/>
+                      <a:headEnd type="none" w="med" len="med"/>
+                      <a:tailEnd type="none" w="med" len="med"/>
+                    </a:lnR>
+                    <a:lnT w="12700" cap="flat" cmpd="sng" algn="ctr">
+                      <a:solidFill>
+                        <a:schemeClr val="tx1"/>
+                      </a:solidFill>
+                      <a:prstDash val="solid"/>
+                      <a:round/>
+                      <a:headEnd type="none" w="med" len="med"/>
+                      <a:tailEnd type="none" w="med" len="med"/>
+                    </a:lnT>
+                    <a:lnB w="12700" cap="flat" cmpd="sng" algn="ctr">
+                      <a:solidFill>
+                        <a:schemeClr val="tx1"/>
+                      </a:solidFill>
+                      <a:prstDash val="solid"/>
+                      <a:round/>
+                      <a:headEnd type="none" w="med" len="med"/>
+                      <a:tailEnd type="none" w="med" len="med"/>
+                    </a:lnB>
+                    <a:lnTlToBr w="12700" cmpd="sng">
+                      <a:noFill/>
+                      <a:prstDash val="solid"/>
+                    </a:lnTlToBr>
+                    <a:lnBlToTr w="12700" cmpd="sng">
+                      <a:noFill/>
+                      <a:prstDash val="solid"/>
+                    </a:lnBlToTr>
+                    <a:solidFill>
+                      <a:schemeClr val="accent2">
+                        <a:lumMod val="60000"/>
+                        <a:lumOff val="40000"/>
+                      </a:schemeClr>
+                    </a:solidFill>
+                  </a:tcPr>
+                </a:tc>
+                <a:tc>
+                  <a:txBody>
+                    <a:bodyPr/>
+                    <a:lstStyle/>
+                    <a:p>
+                      <a:endParaRPr lang="en-US" dirty="0"/>
+                    </a:p>
+                  </a:txBody>
+                  <a:tcPr>
+                    <a:lnL w="12700" cap="flat" cmpd="sng" algn="ctr">
+                      <a:solidFill>
+                        <a:schemeClr val="tx1"/>
+                      </a:solidFill>
+                      <a:prstDash val="solid"/>
+                      <a:round/>
+                      <a:headEnd type="none" w="med" len="med"/>
+                      <a:tailEnd type="none" w="med" len="med"/>
+                    </a:lnL>
+                    <a:lnR w="12700" cap="flat" cmpd="sng" algn="ctr">
+                      <a:solidFill>
+                        <a:schemeClr val="tx1"/>
+                      </a:solidFill>
+                      <a:prstDash val="solid"/>
+                      <a:round/>
+                      <a:headEnd type="none" w="med" len="med"/>
+                      <a:tailEnd type="none" w="med" len="med"/>
+                    </a:lnR>
+                    <a:lnT w="12700" cap="flat" cmpd="sng" algn="ctr">
+                      <a:solidFill>
+                        <a:schemeClr val="tx1"/>
+                      </a:solidFill>
+                      <a:prstDash val="solid"/>
+                      <a:round/>
+                      <a:headEnd type="none" w="med" len="med"/>
+                      <a:tailEnd type="none" w="med" len="med"/>
+                    </a:lnT>
+                    <a:lnB w="12700" cap="flat" cmpd="sng" algn="ctr">
+                      <a:solidFill>
+                        <a:schemeClr val="tx1"/>
+                      </a:solidFill>
+                      <a:prstDash val="solid"/>
+                      <a:round/>
+                      <a:headEnd type="none" w="med" len="med"/>
+                      <a:tailEnd type="none" w="med" len="med"/>
+                    </a:lnB>
+                    <a:lnTlToBr w="12700" cmpd="sng">
+                      <a:noFill/>
+                      <a:prstDash val="solid"/>
+                    </a:lnTlToBr>
+                    <a:lnBlToTr w="12700" cmpd="sng">
+                      <a:noFill/>
+                      <a:prstDash val="solid"/>
+                    </a:lnBlToTr>
+                    <a:solidFill>
+                      <a:schemeClr val="accent2">
+                        <a:lumMod val="60000"/>
+                        <a:lumOff val="40000"/>
+                      </a:schemeClr>
+                    </a:solidFill>
+                  </a:tcPr>
+                </a:tc>
+                <a:tc>
+                  <a:txBody>
+                    <a:bodyPr/>
+                    <a:lstStyle/>
+                    <a:p>
+                      <a:endParaRPr lang="en-US" dirty="0"/>
+                    </a:p>
+                  </a:txBody>
+                  <a:tcPr>
+                    <a:lnL w="12700" cap="flat" cmpd="sng" algn="ctr">
+                      <a:solidFill>
+                        <a:schemeClr val="tx1"/>
+                      </a:solidFill>
+                      <a:prstDash val="solid"/>
+                      <a:round/>
+                      <a:headEnd type="none" w="med" len="med"/>
+                      <a:tailEnd type="none" w="med" len="med"/>
+                    </a:lnL>
+                    <a:lnR w="12700" cap="flat" cmpd="sng" algn="ctr">
+                      <a:solidFill>
+                        <a:schemeClr val="tx1"/>
+                      </a:solidFill>
+                      <a:prstDash val="solid"/>
+                      <a:round/>
+                      <a:headEnd type="none" w="med" len="med"/>
+                      <a:tailEnd type="none" w="med" len="med"/>
+                    </a:lnR>
+                    <a:lnT w="12700" cap="flat" cmpd="sng" algn="ctr">
+                      <a:solidFill>
+                        <a:schemeClr val="tx1"/>
+                      </a:solidFill>
+                      <a:prstDash val="solid"/>
+                      <a:round/>
+                      <a:headEnd type="none" w="med" len="med"/>
+                      <a:tailEnd type="none" w="med" len="med"/>
+                    </a:lnT>
+                    <a:lnB w="12700" cap="flat" cmpd="sng" algn="ctr">
+                      <a:solidFill>
+                        <a:schemeClr val="tx1"/>
+                      </a:solidFill>
+                      <a:prstDash val="solid"/>
+                      <a:round/>
+                      <a:headEnd type="none" w="med" len="med"/>
+                      <a:tailEnd type="none" w="med" len="med"/>
+                    </a:lnB>
+                    <a:lnTlToBr w="12700" cmpd="sng">
+                      <a:noFill/>
+                      <a:prstDash val="solid"/>
+                    </a:lnTlToBr>
+                    <a:lnBlToTr w="12700" cmpd="sng">
+                      <a:noFill/>
+                      <a:prstDash val="solid"/>
+                    </a:lnBlToTr>
+                    <a:solidFill>
+                      <a:schemeClr val="accent2">
+                        <a:lumMod val="60000"/>
+                        <a:lumOff val="40000"/>
+                      </a:schemeClr>
+                    </a:solidFill>
+                  </a:tcPr>
+                </a:tc>
+                <a:tc>
+                  <a:txBody>
+                    <a:bodyPr/>
+                    <a:lstStyle/>
+                    <a:p>
+                      <a:endParaRPr lang="en-US"/>
+                    </a:p>
+                  </a:txBody>
+                  <a:tcPr>
+                    <a:lnL w="12700" cap="flat" cmpd="sng" algn="ctr">
+                      <a:solidFill>
+                        <a:schemeClr val="tx1"/>
+                      </a:solidFill>
+                      <a:prstDash val="solid"/>
+                      <a:round/>
+                      <a:headEnd type="none" w="med" len="med"/>
+                      <a:tailEnd type="none" w="med" len="med"/>
+                    </a:lnL>
+                    <a:lnR w="12700" cap="flat" cmpd="sng" algn="ctr">
+                      <a:solidFill>
+                        <a:schemeClr val="tx1"/>
+                      </a:solidFill>
+                      <a:prstDash val="solid"/>
+                      <a:round/>
+                      <a:headEnd type="none" w="med" len="med"/>
+                      <a:tailEnd type="none" w="med" len="med"/>
+                    </a:lnR>
+                    <a:lnT w="12700" cap="flat" cmpd="sng" algn="ctr">
+                      <a:solidFill>
+                        <a:schemeClr val="tx1"/>
+                      </a:solidFill>
+                      <a:prstDash val="solid"/>
+                      <a:round/>
+                      <a:headEnd type="none" w="med" len="med"/>
+                      <a:tailEnd type="none" w="med" len="med"/>
+                    </a:lnT>
+                    <a:lnB w="12700" cap="flat" cmpd="sng" algn="ctr">
+                      <a:solidFill>
+                        <a:schemeClr val="tx1"/>
+                      </a:solidFill>
+                      <a:prstDash val="solid"/>
+                      <a:round/>
+                      <a:headEnd type="none" w="med" len="med"/>
+                      <a:tailEnd type="none" w="med" len="med"/>
+                    </a:lnB>
+                    <a:lnTlToBr w="12700" cmpd="sng">
+                      <a:noFill/>
+                      <a:prstDash val="solid"/>
+                    </a:lnTlToBr>
+                    <a:lnBlToTr w="12700" cmpd="sng">
+                      <a:noFill/>
+                      <a:prstDash val="solid"/>
+                    </a:lnBlToTr>
+                    <a:solidFill>
+                      <a:schemeClr val="accent2">
+                        <a:lumMod val="60000"/>
+                        <a:lumOff val="40000"/>
+                      </a:schemeClr>
+                    </a:solidFill>
+                  </a:tcPr>
+                </a:tc>
+                <a:tc>
+                  <a:txBody>
+                    <a:bodyPr/>
+                    <a:lstStyle/>
+                    <a:p>
+                      <a:endParaRPr lang="en-US" dirty="0"/>
+                    </a:p>
+                  </a:txBody>
+                  <a:tcPr>
+                    <a:lnL w="12700" cap="flat" cmpd="sng" algn="ctr">
+                      <a:solidFill>
+                        <a:schemeClr val="tx1"/>
+                      </a:solidFill>
+                      <a:prstDash val="solid"/>
+                      <a:round/>
+                      <a:headEnd type="none" w="med" len="med"/>
+                      <a:tailEnd type="none" w="med" len="med"/>
+                    </a:lnL>
+                    <a:lnR w="12700" cap="flat" cmpd="sng" algn="ctr">
+                      <a:solidFill>
+                        <a:schemeClr val="tx1"/>
+                      </a:solidFill>
+                      <a:prstDash val="solid"/>
+                      <a:round/>
+                      <a:headEnd type="none" w="med" len="med"/>
+                      <a:tailEnd type="none" w="med" len="med"/>
+                    </a:lnR>
+                    <a:lnT w="12700" cap="flat" cmpd="sng" algn="ctr">
+                      <a:solidFill>
+                        <a:schemeClr val="tx1"/>
+                      </a:solidFill>
+                      <a:prstDash val="solid"/>
+                      <a:round/>
+                      <a:headEnd type="none" w="med" len="med"/>
+                      <a:tailEnd type="none" w="med" len="med"/>
+                    </a:lnT>
+                    <a:lnB w="12700" cap="flat" cmpd="sng" algn="ctr">
+                      <a:solidFill>
+                        <a:schemeClr val="tx1"/>
+                      </a:solidFill>
+                      <a:prstDash val="solid"/>
+                      <a:round/>
+                      <a:headEnd type="none" w="med" len="med"/>
+                      <a:tailEnd type="none" w="med" len="med"/>
+                    </a:lnB>
+                    <a:lnTlToBr w="12700" cmpd="sng">
+                      <a:noFill/>
+                      <a:prstDash val="solid"/>
+                    </a:lnTlToBr>
+                    <a:lnBlToTr w="12700" cmpd="sng">
+                      <a:noFill/>
+                      <a:prstDash val="solid"/>
+                    </a:lnBlToTr>
+                    <a:solidFill>
+                      <a:schemeClr val="accent2">
+                        <a:lumMod val="60000"/>
+                        <a:lumOff val="40000"/>
+                      </a:schemeClr>
+                    </a:solidFill>
+                  </a:tcPr>
+                </a:tc>
+                <a:tc>
+                  <a:txBody>
+                    <a:bodyPr/>
+                    <a:lstStyle/>
+                    <a:p>
+                      <a:endParaRPr lang="en-US" dirty="0"/>
+                    </a:p>
+                  </a:txBody>
+                  <a:tcPr>
+                    <a:lnL w="12700" cap="flat" cmpd="sng" algn="ctr">
+                      <a:solidFill>
+                        <a:schemeClr val="tx1"/>
+                      </a:solidFill>
+                      <a:prstDash val="solid"/>
+                      <a:round/>
+                      <a:headEnd type="none" w="med" len="med"/>
+                      <a:tailEnd type="none" w="med" len="med"/>
+                    </a:lnL>
+                    <a:lnR w="12700" cap="flat" cmpd="sng" algn="ctr">
+                      <a:solidFill>
+                        <a:schemeClr val="tx1"/>
+                      </a:solidFill>
+                      <a:prstDash val="solid"/>
+                      <a:round/>
+                      <a:headEnd type="none" w="med" len="med"/>
+                      <a:tailEnd type="none" w="med" len="med"/>
+                    </a:lnR>
+                    <a:lnT w="12700" cap="flat" cmpd="sng" algn="ctr">
+                      <a:solidFill>
+                        <a:schemeClr val="tx1"/>
+                      </a:solidFill>
+                      <a:prstDash val="solid"/>
+                      <a:round/>
+                      <a:headEnd type="none" w="med" len="med"/>
+                      <a:tailEnd type="none" w="med" len="med"/>
+                    </a:lnT>
+                    <a:lnB w="12700" cap="flat" cmpd="sng" algn="ctr">
+                      <a:solidFill>
+                        <a:schemeClr val="tx1"/>
+                      </a:solidFill>
+                      <a:prstDash val="solid"/>
+                      <a:round/>
+                      <a:headEnd type="none" w="med" len="med"/>
+                      <a:tailEnd type="none" w="med" len="med"/>
+                    </a:lnB>
+                    <a:lnTlToBr w="12700" cmpd="sng">
+                      <a:noFill/>
+                      <a:prstDash val="solid"/>
+                    </a:lnTlToBr>
+                    <a:lnBlToTr w="12700" cmpd="sng">
+                      <a:noFill/>
+                      <a:prstDash val="solid"/>
+                    </a:lnBlToTr>
+                    <a:solidFill>
+                      <a:schemeClr val="accent2">
+                        <a:lumMod val="60000"/>
+                        <a:lumOff val="40000"/>
+                      </a:schemeClr>
+                    </a:solidFill>
+                  </a:tcPr>
+                </a:tc>
+                <a:extLst>
+                  <a:ext uri="{0D108BD9-81ED-4DB2-BD59-A6C34878D82A}">
+                    <a16:rowId xmlns:a16="http://schemas.microsoft.com/office/drawing/2014/main" val="3913859970"/>
+                  </a:ext>
+                </a:extLst>
+              </a:tr>
+            </a:tbl>
+          </a:graphicData>
+        </a:graphic>
+      </p:graphicFrame>
+      <p:sp>
+        <p:nvSpPr>
+          <p:cNvPr id="2" name="TextBox 1">
+            <a:extLst>
+              <a:ext uri="{FF2B5EF4-FFF2-40B4-BE49-F238E27FC236}">
+                <a16:creationId xmlns:a16="http://schemas.microsoft.com/office/drawing/2014/main" id="{1CE24FAF-DA19-DC43-925F-185B87E52A66}"/>
+              </a:ext>
+            </a:extLst>
+          </p:cNvPr>
+          <p:cNvSpPr txBox="1"/>
+          <p:nvPr/>
+        </p:nvSpPr>
+        <p:spPr>
+          <a:xfrm>
+            <a:off x="1850571" y="881743"/>
+            <a:ext cx="555172" cy="369332"/>
+          </a:xfrm>
+          <a:prstGeom prst="rect">
+            <a:avLst/>
+          </a:prstGeom>
+          <a:noFill/>
+        </p:spPr>
+        <p:txBody>
+          <a:bodyPr wrap="square" rtlCol="0">
+            <a:spAutoFit/>
+          </a:bodyPr>
+          <a:lstStyle/>
+          <a:p>
+            <a:r>
+              <a:rPr lang="en-US" dirty="0"/>
+              <a:t>Tr1</a:t>
+            </a:r>
+          </a:p>
+        </p:txBody>
+      </p:sp>
+      <p:sp>
+        <p:nvSpPr>
+          <p:cNvPr id="5" name="TextBox 4">
+            <a:extLst>
+              <a:ext uri="{FF2B5EF4-FFF2-40B4-BE49-F238E27FC236}">
+                <a16:creationId xmlns:a16="http://schemas.microsoft.com/office/drawing/2014/main" id="{676BB2C1-57B4-314E-989A-A1D7CACD8352}"/>
+              </a:ext>
+            </a:extLst>
+          </p:cNvPr>
+          <p:cNvSpPr txBox="1"/>
+          <p:nvPr/>
+        </p:nvSpPr>
+        <p:spPr>
+          <a:xfrm>
+            <a:off x="4579946" y="2360636"/>
+            <a:ext cx="555172" cy="369332"/>
+          </a:xfrm>
+          <a:prstGeom prst="rect">
+            <a:avLst/>
+          </a:prstGeom>
+          <a:noFill/>
+        </p:spPr>
+        <p:txBody>
+          <a:bodyPr wrap="square" rtlCol="0">
+            <a:spAutoFit/>
+          </a:bodyPr>
+          <a:lstStyle/>
+          <a:p>
+            <a:r>
+              <a:rPr lang="en-US" dirty="0"/>
+              <a:t>Tr1</a:t>
+            </a:r>
+          </a:p>
+        </p:txBody>
+      </p:sp>
+      <p:sp>
+        <p:nvSpPr>
+          <p:cNvPr id="6" name="TextBox 5">
+            <a:extLst>
+              <a:ext uri="{FF2B5EF4-FFF2-40B4-BE49-F238E27FC236}">
+                <a16:creationId xmlns:a16="http://schemas.microsoft.com/office/drawing/2014/main" id="{85749C36-C4A5-DB4A-BC85-265758BCC8B8}"/>
+              </a:ext>
+            </a:extLst>
+          </p:cNvPr>
+          <p:cNvSpPr txBox="1"/>
+          <p:nvPr/>
+        </p:nvSpPr>
+        <p:spPr>
+          <a:xfrm>
+            <a:off x="6027060" y="795475"/>
+            <a:ext cx="555172" cy="369332"/>
+          </a:xfrm>
+          <a:prstGeom prst="rect">
+            <a:avLst/>
+          </a:prstGeom>
+          <a:noFill/>
+        </p:spPr>
+        <p:txBody>
+          <a:bodyPr wrap="square" rtlCol="0">
+            <a:spAutoFit/>
+          </a:bodyPr>
+          <a:lstStyle/>
+          <a:p>
+            <a:r>
+              <a:rPr lang="en-US" dirty="0"/>
+              <a:t>Tr2</a:t>
+            </a:r>
+          </a:p>
+        </p:txBody>
+      </p:sp>
+      <p:sp>
+        <p:nvSpPr>
+          <p:cNvPr id="7" name="TextBox 6">
+            <a:extLst>
+              <a:ext uri="{FF2B5EF4-FFF2-40B4-BE49-F238E27FC236}">
+                <a16:creationId xmlns:a16="http://schemas.microsoft.com/office/drawing/2014/main" id="{4C69B097-F960-7749-A5B6-795A89D1EF95}"/>
+              </a:ext>
+            </a:extLst>
+          </p:cNvPr>
+          <p:cNvSpPr txBox="1"/>
+          <p:nvPr/>
+        </p:nvSpPr>
+        <p:spPr>
+          <a:xfrm>
+            <a:off x="1754409" y="2449286"/>
+            <a:ext cx="555172" cy="369332"/>
+          </a:xfrm>
+          <a:prstGeom prst="rect">
+            <a:avLst/>
+          </a:prstGeom>
+          <a:noFill/>
+        </p:spPr>
+        <p:txBody>
+          <a:bodyPr wrap="square" rtlCol="0">
+            <a:spAutoFit/>
+          </a:bodyPr>
+          <a:lstStyle/>
+          <a:p>
+            <a:r>
+              <a:rPr lang="en-US" dirty="0"/>
+              <a:t>Tr2</a:t>
+            </a:r>
+          </a:p>
+        </p:txBody>
+      </p:sp>
+      <p:sp>
+        <p:nvSpPr>
+          <p:cNvPr id="8" name="TextBox 7">
+            <a:extLst>
+              <a:ext uri="{FF2B5EF4-FFF2-40B4-BE49-F238E27FC236}">
+                <a16:creationId xmlns:a16="http://schemas.microsoft.com/office/drawing/2014/main" id="{F3DCD099-1A05-5C40-AB41-F74BA183C306}"/>
+              </a:ext>
+            </a:extLst>
+          </p:cNvPr>
+          <p:cNvSpPr txBox="1"/>
+          <p:nvPr/>
+        </p:nvSpPr>
+        <p:spPr>
+          <a:xfrm>
+            <a:off x="8911774" y="740264"/>
+            <a:ext cx="555172" cy="369332"/>
+          </a:xfrm>
+          <a:prstGeom prst="rect">
+            <a:avLst/>
+          </a:prstGeom>
+          <a:noFill/>
+        </p:spPr>
+        <p:txBody>
+          <a:bodyPr wrap="square" rtlCol="0">
+            <a:spAutoFit/>
+          </a:bodyPr>
+          <a:lstStyle/>
+          <a:p>
+            <a:r>
+              <a:rPr lang="en-US" dirty="0"/>
+              <a:t>Tr3</a:t>
+            </a:r>
+          </a:p>
+        </p:txBody>
+      </p:sp>
+      <p:sp>
+        <p:nvSpPr>
+          <p:cNvPr id="9" name="TextBox 8">
+            <a:extLst>
+              <a:ext uri="{FF2B5EF4-FFF2-40B4-BE49-F238E27FC236}">
+                <a16:creationId xmlns:a16="http://schemas.microsoft.com/office/drawing/2014/main" id="{DC0D1082-59D4-7C4F-8707-FA15A35A6E39}"/>
+              </a:ext>
+            </a:extLst>
+          </p:cNvPr>
+          <p:cNvSpPr txBox="1"/>
+          <p:nvPr/>
+        </p:nvSpPr>
+        <p:spPr>
+          <a:xfrm>
+            <a:off x="6005958" y="2348186"/>
+            <a:ext cx="555172" cy="369332"/>
+          </a:xfrm>
+          <a:prstGeom prst="rect">
+            <a:avLst/>
+          </a:prstGeom>
+          <a:noFill/>
+        </p:spPr>
+        <p:txBody>
+          <a:bodyPr wrap="square" rtlCol="0">
+            <a:spAutoFit/>
+          </a:bodyPr>
+          <a:lstStyle/>
+          <a:p>
+            <a:r>
+              <a:rPr lang="en-US" dirty="0"/>
+              <a:t>Tr3</a:t>
+            </a:r>
+          </a:p>
+        </p:txBody>
+      </p:sp>
+      <p:sp>
+        <p:nvSpPr>
+          <p:cNvPr id="10" name="TextBox 9">
+            <a:extLst>
+              <a:ext uri="{FF2B5EF4-FFF2-40B4-BE49-F238E27FC236}">
+                <a16:creationId xmlns:a16="http://schemas.microsoft.com/office/drawing/2014/main" id="{F00DC731-24D8-144B-9A58-3EBA405A7FF7}"/>
+              </a:ext>
+            </a:extLst>
+          </p:cNvPr>
+          <p:cNvSpPr txBox="1"/>
+          <p:nvPr/>
+        </p:nvSpPr>
+        <p:spPr>
+          <a:xfrm>
+            <a:off x="4386947" y="795475"/>
+            <a:ext cx="555172" cy="369332"/>
+          </a:xfrm>
+          <a:prstGeom prst="rect">
+            <a:avLst/>
+          </a:prstGeom>
+          <a:noFill/>
+        </p:spPr>
+        <p:txBody>
+          <a:bodyPr wrap="square" rtlCol="0">
+            <a:spAutoFit/>
+          </a:bodyPr>
+          <a:lstStyle/>
+          <a:p>
+            <a:r>
+              <a:rPr lang="en-US" dirty="0"/>
+              <a:t>Tr4</a:t>
+            </a:r>
+          </a:p>
+        </p:txBody>
+      </p:sp>
+      <p:sp>
+        <p:nvSpPr>
+          <p:cNvPr id="11" name="TextBox 10">
+            <a:extLst>
+              <a:ext uri="{FF2B5EF4-FFF2-40B4-BE49-F238E27FC236}">
+                <a16:creationId xmlns:a16="http://schemas.microsoft.com/office/drawing/2014/main" id="{20CA4839-2460-8149-998B-F9C191BBA115}"/>
+              </a:ext>
+            </a:extLst>
+          </p:cNvPr>
+          <p:cNvSpPr txBox="1"/>
+          <p:nvPr/>
+        </p:nvSpPr>
+        <p:spPr>
+          <a:xfrm>
+            <a:off x="7484844" y="2280772"/>
+            <a:ext cx="555172" cy="369332"/>
+          </a:xfrm>
+          <a:prstGeom prst="rect">
+            <a:avLst/>
+          </a:prstGeom>
+          <a:noFill/>
+        </p:spPr>
+        <p:txBody>
+          <a:bodyPr wrap="square" rtlCol="0">
+            <a:spAutoFit/>
+          </a:bodyPr>
+          <a:lstStyle/>
+          <a:p>
+            <a:r>
+              <a:rPr lang="en-US" dirty="0"/>
+              <a:t>Tr4</a:t>
+            </a:r>
+          </a:p>
+        </p:txBody>
+      </p:sp>
+      <p:sp>
+        <p:nvSpPr>
+          <p:cNvPr id="12" name="TextBox 11">
+            <a:extLst>
+              <a:ext uri="{FF2B5EF4-FFF2-40B4-BE49-F238E27FC236}">
+                <a16:creationId xmlns:a16="http://schemas.microsoft.com/office/drawing/2014/main" id="{9104EC52-F5F2-AA4A-A5D2-5309E5402BD8}"/>
+              </a:ext>
+            </a:extLst>
+          </p:cNvPr>
+          <p:cNvSpPr txBox="1"/>
+          <p:nvPr/>
+        </p:nvSpPr>
+        <p:spPr>
+          <a:xfrm>
+            <a:off x="7389587" y="751150"/>
+            <a:ext cx="555172" cy="369332"/>
+          </a:xfrm>
+          <a:prstGeom prst="rect">
+            <a:avLst/>
+          </a:prstGeom>
+          <a:noFill/>
+        </p:spPr>
+        <p:txBody>
+          <a:bodyPr wrap="square" rtlCol="0">
+            <a:spAutoFit/>
+          </a:bodyPr>
+          <a:lstStyle/>
+          <a:p>
+            <a:r>
+              <a:rPr lang="en-US" dirty="0"/>
+              <a:t>Tr5</a:t>
+            </a:r>
+          </a:p>
+        </p:txBody>
+      </p:sp>
+      <p:sp>
+        <p:nvSpPr>
+          <p:cNvPr id="13" name="TextBox 12">
+            <a:extLst>
+              <a:ext uri="{FF2B5EF4-FFF2-40B4-BE49-F238E27FC236}">
+                <a16:creationId xmlns:a16="http://schemas.microsoft.com/office/drawing/2014/main" id="{FA2BE546-529C-E842-BC02-4BFCE1533EB7}"/>
+              </a:ext>
+            </a:extLst>
+          </p:cNvPr>
+          <p:cNvSpPr txBox="1"/>
+          <p:nvPr/>
+        </p:nvSpPr>
+        <p:spPr>
+          <a:xfrm>
+            <a:off x="3017161" y="2360636"/>
+            <a:ext cx="555172" cy="369332"/>
+          </a:xfrm>
+          <a:prstGeom prst="rect">
+            <a:avLst/>
+          </a:prstGeom>
+          <a:noFill/>
+        </p:spPr>
+        <p:txBody>
+          <a:bodyPr wrap="square" rtlCol="0">
+            <a:spAutoFit/>
+          </a:bodyPr>
+          <a:lstStyle/>
+          <a:p>
+            <a:r>
+              <a:rPr lang="en-US" dirty="0"/>
+              <a:t>Tr5</a:t>
+            </a:r>
+          </a:p>
+        </p:txBody>
+      </p:sp>
+      <p:sp>
+        <p:nvSpPr>
+          <p:cNvPr id="14" name="TextBox 13">
+            <a:extLst>
+              <a:ext uri="{FF2B5EF4-FFF2-40B4-BE49-F238E27FC236}">
+                <a16:creationId xmlns:a16="http://schemas.microsoft.com/office/drawing/2014/main" id="{26E0AF3E-022F-5C4C-BBFC-548F41ABBDD9}"/>
+              </a:ext>
+            </a:extLst>
+          </p:cNvPr>
+          <p:cNvSpPr txBox="1"/>
+          <p:nvPr/>
+        </p:nvSpPr>
+        <p:spPr>
+          <a:xfrm>
+            <a:off x="3024420" y="834180"/>
+            <a:ext cx="555172" cy="369332"/>
+          </a:xfrm>
+          <a:prstGeom prst="rect">
+            <a:avLst/>
+          </a:prstGeom>
+          <a:noFill/>
+        </p:spPr>
+        <p:txBody>
+          <a:bodyPr wrap="square" rtlCol="0">
+            <a:spAutoFit/>
+          </a:bodyPr>
+          <a:lstStyle/>
+          <a:p>
+            <a:r>
+              <a:rPr lang="en-US" dirty="0"/>
+              <a:t>Tr6</a:t>
+            </a:r>
+          </a:p>
+        </p:txBody>
+      </p:sp>
+      <p:sp>
+        <p:nvSpPr>
+          <p:cNvPr id="15" name="TextBox 14">
+            <a:extLst>
+              <a:ext uri="{FF2B5EF4-FFF2-40B4-BE49-F238E27FC236}">
+                <a16:creationId xmlns:a16="http://schemas.microsoft.com/office/drawing/2014/main" id="{F5D947F6-0EEC-CC4B-B5A7-E9B62D743A08}"/>
+              </a:ext>
+            </a:extLst>
+          </p:cNvPr>
+          <p:cNvSpPr txBox="1"/>
+          <p:nvPr/>
+        </p:nvSpPr>
+        <p:spPr>
+          <a:xfrm>
+            <a:off x="8831495" y="2280772"/>
+            <a:ext cx="555172" cy="369332"/>
+          </a:xfrm>
+          <a:prstGeom prst="rect">
+            <a:avLst/>
+          </a:prstGeom>
+          <a:noFill/>
+        </p:spPr>
+        <p:txBody>
+          <a:bodyPr wrap="square" rtlCol="0">
+            <a:spAutoFit/>
+          </a:bodyPr>
+          <a:lstStyle/>
+          <a:p>
+            <a:r>
+              <a:rPr lang="en-US" dirty="0"/>
+              <a:t>Tr6</a:t>
+            </a:r>
+          </a:p>
+        </p:txBody>
+      </p:sp>
+    </p:spTree>
+    <p:extLst>
+      <p:ext uri="{BB962C8B-B14F-4D97-AF65-F5344CB8AC3E}">
+        <p14:creationId xmlns:p14="http://schemas.microsoft.com/office/powerpoint/2010/main" val="3724863248"/>
+      </p:ext>
+    </p:extLst>
+  </p:cSld>
+  <p:clrMapOvr>
+    <a:masterClrMapping/>
+  </p:clrMapOvr>
+</p:sld>
+</file>
+
+<file path=ppt/slides/slide8.xml><?xml version="1.0" encoding="utf-8"?>
+<p:sld xmlns:a="http://schemas.openxmlformats.org/drawingml/2006/main" xmlns:r="http://schemas.openxmlformats.org/officeDocument/2006/relationships" xmlns:p="http://schemas.openxmlformats.org/presentationml/2006/main">
+  <p:cSld>
+    <p:spTree>
+      <p:nvGrpSpPr>
+        <p:cNvPr id="1" name=""/>
+        <p:cNvGrpSpPr/>
+        <p:nvPr/>
+      </p:nvGrpSpPr>
+      <p:grpSpPr>
+        <a:xfrm>
+          <a:off x="0" y="0"/>
+          <a:ext cx="0" cy="0"/>
+          <a:chOff x="0" y="0"/>
+          <a:chExt cx="0" cy="0"/>
+        </a:xfrm>
+      </p:grpSpPr>
+      <p:graphicFrame>
+        <p:nvGraphicFramePr>
+          <p:cNvPr id="4" name="Table 3">
+            <a:extLst>
+              <a:ext uri="{FF2B5EF4-FFF2-40B4-BE49-F238E27FC236}">
                 <a16:creationId xmlns:a16="http://schemas.microsoft.com/office/drawing/2014/main" id="{18DB0A63-370E-984C-9841-298310C6E561}"/>
               </a:ext>
             </a:extLst>
